--- a/docs/B11-Presentation.pptx
+++ b/docs/B11-Presentation.pptx
@@ -114,6 +114,159 @@
     </p:ext>
   </p:extLst>
 </p:presentation>
+</file>
+
+<file path=ppt/ink/ink1.xml><?xml version="1.0" encoding="utf-8"?>
+<inkml:ink xmlns:inkml="http://www.w3.org/2003/InkML">
+  <inkml:definitions>
+    <inkml:context xml:id="ctx0">
+      <inkml:inkSource xml:id="inkSrc0">
+        <inkml:traceFormat>
+          <inkml:channel name="X" type="integer" min="-2.14748E9" max="2.14748E9" units="cm"/>
+          <inkml:channel name="Y" type="integer" min="-2.14748E9" max="2.14748E9" units="cm"/>
+          <inkml:channel name="F" type="integer" max="32767" units="dev"/>
+        </inkml:traceFormat>
+        <inkml:channelProperties>
+          <inkml:channelProperty channel="X" name="resolution" value="1000" units="1/cm"/>
+          <inkml:channelProperty channel="Y" name="resolution" value="1000" units="1/cm"/>
+          <inkml:channelProperty channel="F" name="resolution" value="0" units="1/dev"/>
+        </inkml:channelProperties>
+      </inkml:inkSource>
+      <inkml:timestamp xml:id="ts0" timeString="2023-04-20T11:45:52.299"/>
+    </inkml:context>
+    <inkml:brush xml:id="br0">
+      <inkml:brushProperty name="width" value="0.05" units="cm"/>
+      <inkml:brushProperty name="height" value="0.05" units="cm"/>
+      <inkml:brushProperty name="color" value="#FFFFFF"/>
+    </inkml:brush>
+  </inkml:definitions>
+  <inkml:trace contextRef="#ctx0" brushRef="#br0">0 839 24575,'16'-11'0,"-4"-2"0,4-5 0,-3 1 0,5 0 0,0-6 0,-1 5 0,2-9 0,-6 8 0,5-8 0,2 2 0,0-4 0,4 0 0,-5 0 0,0 1 0,0-1 0,0 1 0,0-1 0,0 1 0,-1 4 0,0 2 0,-1 5 0,0-1 0,1 1 0,-1 0 0,0-1 0,0 5 0,-3-4 0,2 4 0,-3-1 0,1-2 0,2 6 0,-2-6 0,3 6 0,-4-6 0,4 6 0,-4-3 0,4 1 0,0 2 0,1-3 0,-15 12 0</inkml:trace>
+  <inkml:trace contextRef="#ctx0" brushRef="#br0" timeOffset="1045">1069 1 24575,'9'0'0,"4"0"0,0 0 0,3 0 0,-2 0 0,3 0 0,0 0 0,-4 0 0,3 0 0,-3 4 0,5 0 0,-5 1 0,3 3 0,-3-3 0,0 3 0,3 0 0,-7-3 0,7 3 0,-7-4 0,7 4 0,-7 0 0,7 1 0,-7-1 0,7 0 0,-3 1 0,0-1 0,4 0 0,-4 1 0,0 3 0,3-2 0,-2 2 0,3 1 0,-4-4 0,3 7 0,-7-7 0,7 7 0,-3-3 0,0 0 0,0 3 0,-1-3 0,-3 0 0,3 4 0,0-8 0,-2 7 0,6-3 0,-6 5 0,2-1 0,1 0 0,-4 0 0,8 6 0,-7-5 0,8 9 0,-5-8 0,2 8 0,1-9 0,-1 9 0,-1-3 0,-4-10 0</inkml:trace>
+  <inkml:trace contextRef="#ctx0" brushRef="#br0" timeOffset="2022">2117 1065 24575,'9'10'0,"1"7"0,6 1 0,-6-1 0,6 0 0,-3-4 0,1 4 0,-2-4 0,1 1 0,-4 2 0,7-3 0,-6 0 0,6 4 0,-7-4 0,7 0 0,-6 3 0,6-2 0,-2-1 0,-1 3 0,3-6 0,-6 6 0,6-6 0,-7 2 0,8-4 0,-9 0 0,9 1 0,-8-1 0,7 0 0,-7 0 0,7 1 0,-7-1 0,3 0 0,0-4 0,-4 3 0,4-3 0,0 1 0,-3 2 0,3-3 0,0 0 0,-3 3 0,3-6 0,-4 6 0,4-6 0,-3 6 0,3-6 0,-4 2 0,-1 1 0,1-4 0,0 4 0,0-4 0,4 0 0,-3 3 0,3-2 0,-5 3 0,1-4 0,0 3 0,0-2 0,0 2 0,-1-3 0,5 0 0,-3 0 0,3 0 0,-4 0 0,0 0 0,4 0 0,-3 0 0,3 0 0,0 4 0,-4-3 0,4 3 0,0 0 0,-3-3 0,3 3 0,0-4 0,-3 0 0,3 0 0,0 4 0,-3-3 0,3 2 0,0-3 0,-3 0 0,3 0 0,0 4 0,-3-3 0,3 3 0,-8-4 0</inkml:trace>
+  <inkml:trace contextRef="#ctx0" brushRef="#br0" timeOffset="36001">3531 1619 24575,'10'0'0,"7"4"0,0-3 0,1 3 0,-5-4 0,3 0 0,-3 3 0,4-2 0,1 3 0,-5-4 0,3 0 0,-7 0 0,7 4 0,-7-3 0,3 3 0,0-4 0,-4 3 0,4-2 0,0 3 0,-3-1 0,8-2 0,-9 2 0,4-3 0,0 4 0,-3-3 0,3 3 0,0 0 0,-3-3 0,7 3 0,-7-1 0,3-2 0,0 6 0,-3-6 0,3 7 0,0-8 0,-3 4 0,3-1 0,0 2 0,-3-1 0,3 4 0,0-7 0,-4 6 0,4-7 0,-4 4 0,0-1 0,4-2 0,-3 6 0,3-2 0,-4-1 0,-1-1 0,1 1 0,0 0 0,0 0 0,0 3 0,-1-6 0,1 6 0,0-3 0,0 1 0,0 2 0,-1-3 0,1 0 0,0 3 0,0-2 0,0-1 0,-1 3 0,1-3 0,0 1 0,0 2 0,0-3 0,-1 0 0,1 3 0,0-3 0,-4 4 0,3-4 0,-3 3 0,4-3 0,-4 4 0,3-1 0,-3 1 0,0 0 0,3-1 0,-3 1 0,3-1 0,1 0 0,-1 1 0,0-4 0,-3 2 0,3-5 0,-6 6 0,6-6 0,-3 6 0,0-3 0,3 0 0,-6 2 0,6-5 0,-6 6 0,2-3 0,1 0 0,0 2 0,0-2 0,3 4 0,-3-1 0,0 0 0,2-3 0,-2 3 0,1-3 0,1 0 0,-5 2 0,2-2 0,0 1 0,-2 1 0,6-1 0,-3-1 0,0 3 0,2-7 0,-5 7 0,6-2 0,-7 2 0,7-3 0,-6 3 0,2-3 0,0 0 0,-2 2 0,1-3 0</inkml:trace>
+</inkml:ink>
+</file>
+
+<file path=ppt/ink/ink2.xml><?xml version="1.0" encoding="utf-8"?>
+<inkml:ink xmlns:inkml="http://www.w3.org/2003/InkML">
+  <inkml:definitions>
+    <inkml:context xml:id="ctx0">
+      <inkml:inkSource xml:id="inkSrc0">
+        <inkml:traceFormat>
+          <inkml:channel name="X" type="integer" min="-2.14748E9" max="2.14748E9" units="cm"/>
+          <inkml:channel name="Y" type="integer" min="-2.14748E9" max="2.14748E9" units="cm"/>
+          <inkml:channel name="F" type="integer" max="32767" units="dev"/>
+        </inkml:traceFormat>
+        <inkml:channelProperties>
+          <inkml:channelProperty channel="X" name="resolution" value="1000" units="1/cm"/>
+          <inkml:channelProperty channel="Y" name="resolution" value="1000" units="1/cm"/>
+          <inkml:channelProperty channel="F" name="resolution" value="0" units="1/dev"/>
+        </inkml:channelProperties>
+      </inkml:inkSource>
+      <inkml:timestamp xml:id="ts0" timeString="2023-04-20T11:45:55.637"/>
+    </inkml:context>
+    <inkml:brush xml:id="br0">
+      <inkml:brushProperty name="width" value="0.05" units="cm"/>
+      <inkml:brushProperty name="height" value="0.05" units="cm"/>
+      <inkml:brushProperty name="color" value="#FFFFFF"/>
+    </inkml:brush>
+  </inkml:definitions>
+  <inkml:trace contextRef="#ctx0" brushRef="#br0">0 0 24575,'8'4'0,"3"4"0,10 9 0,-6-3 0,9 2 0,-11-4 0,0-3 0,3 4 0,-3-1 0,0-3 0,3 3 0,-7-4 0,7 1 0,-7-1 0,7 0 0,-7 0 0,3 0 0,-4 0 0,0 0 0,0 0 0,-1-4 0,1 3 0,0-3 0,0 1 0,0 2 0,-1-7 0,1 7 0,0-2 0,0-1 0,-1 3 0,1-6 0,0 6 0,0-6 0,0 6 0,-1-3 0,1 0 0,0 3 0,0-3 0,0 1 0,-1 2 0,1-3 0,0 0 0,0 3 0,-4-2 0,3 2 0,-3-2 0,4 2 0,-3-3 0,1 4 0,-1 0 0,-1-1 0,3 1 0,-3 0 0,1 0 0,2 0 0,-3-1 0,0 1 0,3 0 0,-6 0 0,3 0 0,-1-1 0,-2 1 0,2 0 0,1 0 0,-3 0 0,2-1 0,1 1 0,-3 0 0,2-1 0,-3-4 0</inkml:trace>
+  <inkml:trace contextRef="#ctx0" brushRef="#br0" timeOffset="829">536 895 24575,'-2'4'0,"2"4"0,-7 0 0,6 0 0,-6-1 0,6 1 0,-6 0 0,6-1 0,-2 1 0,-1 0 0,3-1 0,-2 1 0,3 0 0,-4 0 0,3-1 0,-2 1 0,3 0 0,0 0 0,0-1 0,0 1 0,0 0 0,0 0 0,0 0 0,0-1 0,-4 1 0,4 0 0,-4 0 0,4 0 0,0-1 0,0 1 0,0 0 0,0 0 0,0 0 0,0-1 0,0 1 0,0 0 0,0 0 0,0 0 0,0-1 0,0 1 0,0 0 0,0-1 0,0 1 0,3 0 0,-2 0 0,6 0 0,-6-1 0,3 1 0,-1-4 0,1 3 0,1-2 0,2-1 0,-3 3 0,0-3 0,3 1 0,-2-2 0,2 1 0,1 0 0,0 0 0,0 0 0,0-1 0,-1-2 0,1 2 0,0 1 0,0-3 0,0 2 0,-1-3 0,1 4 0,-1-3 0,1 2 0,0-3 0,0 0 0,0 0 0,-4 4 0,3-4 0,-3 4 0,4-4 0,0 3 0,0-2 0,-1 3 0,1-4 0,0 0 0,0 3 0,0-2 0,-1 2 0,1-3 0,0 4 0,0-3 0,0 6 0,-1-6 0,1 6 0,4-7 0,-3 7 0,7-2 0,-3 3 0,0 1 0,3-1 0,-2 0 0,3-3 0,0 3 0,0-3 0,1 3 0,-10-4 0</inkml:trace>
+  <inkml:trace contextRef="#ctx0" brushRef="#br0" timeOffset="1985">1369 1708 24575,'2'1'0,"11"12"0,5-5 0,-5 5 0,3-4 0,-2 4 0,-1-1 0,3-2 0,-6 6 0,2-7 0,0 4 0,-2-1 0,2-3 0,-4 3 0,0-4 0,0 4 0,0-3 0,0 3 0,0 0 0,0-3 0,0 3 0,0-5 0,0 1 0,-4 0 0,3 0 0,-3 0 0,1-1 0,2 5 0,-3-3 0,1 3 0,2-4 0,-6 0 0,6 0 0,-6-1 0,2 1 0,1 0 0,-4 0 0,7 0 0,-6-1 0,6 1 0,-6 0 0,6-4 0,-6 3 0,6-2 0,-6 2 0,5 1 0,-5 0 0,6-1 0,-6 1 0,6 0 0,-3 0 0,0-1 0,3 1 0,-6 0 0,6-1 0,-7 1 0,4 0 0,-1 0 0,-2-1 0,6 1 0,-6 0 0,3-1 0,-1 1 0,-2 0 0,2 0 0,1 0 0,-3-1 0,2 1 0,1 4 0,-3-3 0,7 7 0,-4-7 0,1 7 0,2-7 0,-6 7 0,5-7 0,-1 7 0,-1-6 0</inkml:trace>
+  <inkml:trace contextRef="#ctx0" brushRef="#br0" timeOffset="1986">1855 2927 24575,'0'6'0,"0"2"0,0 0 0,0-1 0,0 1 0,0 0 0,0 0 0,0 0 0,0-1 0,0 1 0,0 0 0,0-1 0,0 1 0,0 0 0,0 0 0,0-1 0,0 1 0,0 0 0,0 0 0,0 0 0,0-1 0,0 1 0,-4 0 0,3 0 0,-2-1 0,3 1 0,-3-4 0,2 3 0,-3-2 0,1 2 0,2 1 0,-3 0 0,4 0 0,-3-4 0,2 3 0,-3-3 0,4 4 0,-3 0 0,2-1 0,-6 1 0,6 0 0,-2-1 0,0-3 0,2 3 0,-6-3 0,6 4 0,-2-1 0,-1-3 0,3 2 0,-2-2 0,-1 0 0,4 3 0,-4-3 0,4 4 0,-3-4 0,2 2 0,-3-2 0,1 0 0,2 3 0,-2-3 0,-1 1 0,3 1 0,-2-1 0,3 2 0,-4 1 0,3-1 0,-6-3 0,6 3 0,-2-3 0,-1 4 0,3 0 0,-2-1 0,0 1 0,2-1 0,-6 1 0,6-1 0,-6-3 0,6 3 0,-2-3 0,0 4 0,2-1 0,-2 0 0,-1-3 0,3 3 0,-6-3 0,7 4 0,-7-4 0,6 2 0,-3-2 0,1 1 0,2 1 0,-2-2 0,-1 4 0,0-1 0,0 0 0,-2-3 0,5 3 0,-6-3 0,7 3 0,-7-3 0,6 3 0,-6-7 0,6 7 0,-5-6 0,5 5 0,-5-5 0,5 5 0,-6-5 0,6 2 0,-2-3 0</inkml:trace>
+</inkml:ink>
+</file>
+
+<file path=ppt/ink/ink3.xml><?xml version="1.0" encoding="utf-8"?>
+<inkml:ink xmlns:inkml="http://www.w3.org/2003/InkML">
+  <inkml:definitions>
+    <inkml:context xml:id="ctx0">
+      <inkml:inkSource xml:id="inkSrc0">
+        <inkml:traceFormat>
+          <inkml:channel name="X" type="integer" min="-2.14748E9" max="2.14748E9" units="cm"/>
+          <inkml:channel name="Y" type="integer" min="-2.14748E9" max="2.14748E9" units="cm"/>
+          <inkml:channel name="F" type="integer" max="32767" units="dev"/>
+        </inkml:traceFormat>
+        <inkml:channelProperties>
+          <inkml:channelProperty channel="X" name="resolution" value="1000" units="1/cm"/>
+          <inkml:channelProperty channel="Y" name="resolution" value="1000" units="1/cm"/>
+          <inkml:channelProperty channel="F" name="resolution" value="0" units="1/dev"/>
+        </inkml:channelProperties>
+      </inkml:inkSource>
+      <inkml:timestamp xml:id="ts0" timeString="2023-04-20T11:46:16.450"/>
+    </inkml:context>
+    <inkml:brush xml:id="br0">
+      <inkml:brushProperty name="width" value="0.05" units="cm"/>
+      <inkml:brushProperty name="height" value="0.05" units="cm"/>
+      <inkml:brushProperty name="color" value="#FFFFFF"/>
+    </inkml:brush>
+  </inkml:definitions>
+  <inkml:trace contextRef="#ctx0" brushRef="#br0">0 1838 24575,'0'-10'0,"0"1"0,0-2 0,0 3 0,0 0 0,0-4 0,4 7 0,-3-7 0,6 8 0,-6-4 0,2 0 0,0 0 0,-2 0 0,6 0 0,-6 0 0,6 1 0,-6-1 0,2 0 0,-3 0 0,4 0 0,-3 0 0,6 0 0,-6 0 0,6-4 0,-6 3 0,3-3 0,-1 0 0,2 3 0,3-3 0,0 0 0,0 3 0,0-3 0,0-1 0,0 5 0,0-5 0,1 1 0,-1 3 0,0-7 0,0 3 0,5-1 0,-4-2 0,8 2 0,-4 1 0,4-4 0,1 4 0,-1-1 0,5-3 0,-4 7 0,5-7 0,-6 8 0,5-9 0,-3 8 0,3-3 0,0 0 0,-4 3 0,5-3 0,-18 11 0</inkml:trace>
+  <inkml:trace contextRef="#ctx0" brushRef="#br0" timeOffset="7659">866 1120 24575,'5'-1'0,"22"-8"0,-4 4 0,1-1 0,3-2 0,-4 3 0,6-5 0,-1 0 0,0 1 0,1-1 0,-6 1 0,4 0 0,-12 0 0,2 1 0,-5-1 0,-4 1 0,4 0 0,-7 0 0,-2 0 0,-3 0 0,0 0 0,0 0 0,0-4 0,0 3 0,0-3 0,0 4 0,0 0 0,0-4 0,0 3 0,0-3 0,0 4 0,0-4 0,0 3 0,0-7 0,0 7 0,0-7 0,0 7 0,0-8 0,0 8 0,0-3 0,0 4 0,0-4 0,0 3 0,0-3 0,0 0 0,0 3 0,0-7 0,0 7 0,0-3 0,4 0 0,-3 3 0,3-8 0,-1 8 0,-2-3 0,3 4 0,-1-4 0,-2 3 0,3-3 0,0 0 0,-3 3 0,3-7 0,-1 7 0,-2-3 0,6 0 0,-6 3 0,3-4 0,0 1 0,-3 3 0,6-3 0,-2 4 0,-1 0 0,3-4 0,-2 3 0,-1-3 0,4 0 0,-4 3 0,4-3 0,0 4 0,0-4 0,0 3 0,0-3 0,1 0 0,3 2 0,-3-2 0,3 0 0,0 2 0,2-2 0,-1 4 0,3-1 0,-7 1 0,7-1 0,-3 1 0,4 3 0,0-3 0,1 7 0,-5-3 0,3 4 0,-3 0 0,0 0 0,3 0 0,-3 0 0,0 0 0,4 0 0,-9 0 0,9 0 0,-4 0 0,4 0 0,0 0 0,0 0 0,-4 0 0,4 4 0,-4 1 0,4 4 0,0-1 0,0 1 0,1 3 0,4-2 0,-4 3 0,4 0 0,-14-9 0</inkml:trace>
+  <inkml:trace contextRef="#ctx0" brushRef="#br0" timeOffset="7660">2186 389 24575,'11'4'0,"7"5"0,5 0 0,-6 0 0,0-1 0,0 1 0,1 0 0,-5-1 0,3 0 0,-3 1 0,4-5 0,0 4 0,-4-7 0,4 7 0,-4-7 0,4 6 0,0-6 0,0 7 0,1-7 0,-1 3 0,0 0 0,-4-3 0,3 2 0,-3-3 0,5 0 0,-1 0 0,-4 0 0,3 0 0,-3 0 0,4 0 0,-4 0 0,4 0 0,-9 0 0,9 0 0,-8 0 0,7 0 0,-7 0 0,3 0 0,-5 0 0,1 0 0,0 0 0,0-3 0,0-2 0,-1 1 0,1-3 0,0 3 0,0-4 0,0 0 0,-1 0 0,-2 0 0,2 0 0,-3 0 0,0 0 0,3 0 0,-3 1 0,1-1 0,1 0 0,-5 0 0,3 0 0,-1 0 0,-2 0 0,6 0 0,-6 1 0,6-1 0,-6 0 0,5 0 0,-1 0 0,-1 0 0,3 0 0,-2-4 0,3 3 0,0-3 0,0 4 0,-4-4 0,3 3 0,-3-3 0,4 4 0,0-4 0,-3 3 0,2-7 0,-6 7 0,6-4 0,-6 6 0,6-1 0,-2 0 0,-1 0 0,-1 0 0,-3 0 0,4 4 0,-3-3 0,2 2 0,-3-3 0,4 0 0,-3 0 0,2 1 0,-3-1 0,0 0 0,0 1 0,0-1 0,0 1 0,0 0 0,0-1 0,0 1 0,0 0 0,0 0 0,0 3 0,0 0 0</inkml:trace>
+</inkml:ink>
+</file>
+
+<file path=ppt/ink/ink4.xml><?xml version="1.0" encoding="utf-8"?>
+<inkml:ink xmlns:inkml="http://www.w3.org/2003/InkML">
+  <inkml:definitions>
+    <inkml:context xml:id="ctx0">
+      <inkml:inkSource xml:id="inkSrc0">
+        <inkml:traceFormat>
+          <inkml:channel name="X" type="integer" min="-2.14748E9" max="2.14748E9" units="cm"/>
+          <inkml:channel name="Y" type="integer" min="-2.14748E9" max="2.14748E9" units="cm"/>
+          <inkml:channel name="F" type="integer" max="32767" units="dev"/>
+        </inkml:traceFormat>
+        <inkml:channelProperties>
+          <inkml:channelProperty channel="X" name="resolution" value="1000" units="1/cm"/>
+          <inkml:channelProperty channel="Y" name="resolution" value="1000" units="1/cm"/>
+          <inkml:channelProperty channel="F" name="resolution" value="0" units="1/dev"/>
+        </inkml:channelProperties>
+      </inkml:inkSource>
+      <inkml:timestamp xml:id="ts0" timeString="2023-04-20T11:46:01.562"/>
+    </inkml:context>
+    <inkml:brush xml:id="br0">
+      <inkml:brushProperty name="width" value="0.05" units="cm"/>
+      <inkml:brushProperty name="height" value="0.05" units="cm"/>
+      <inkml:brushProperty name="color" value="#FFFFFF"/>
+    </inkml:brush>
+  </inkml:definitions>
+  <inkml:trace contextRef="#ctx0" brushRef="#br0">0 0 24575,'3'0'0,"15"0"0,6 0 0,6 0 0,-3 0 0,-9 0 0,4 0 0,1 0 0,-5 0 0,4 0 0,-5 0 0,1 0 0,-1 0 0,0 0 0,5 0 0,-3 0 0,3 0 0,-5 0 0,1 0 0,4 4 0,-4-3 0,4 3 0,-4 0 0,4-3 0,-4 3 0,4 0 0,-4-3 0,-5 3 0,3 0 0,-3-3 0,4 6 0,0-6 0,1 7 0,-1-7 0,-4 3 0,3-1 0,-3-2 0,4 7 0,-3-4 0,2 5 0,-7-5 0,7 4 0,-7-4 0,7 5 0,-7-1 0,3 0 0,-5 0 0,1 0 0,0-1 0,0 1 0,0 0 0,-1 0 0,1 0 0,0-1 0,0 1 0,4 0 0,-3 0 0,3 5 0,-4-4 0,0 2 0,4 1 0,-3-3 0,3 3 0,0-4 0,-3 0 0,7 5 0,-7-4 0,7 3 0,-7 0 0,-7-11 0</inkml:trace>
+  <inkml:trace contextRef="#ctx0" brushRef="#br0" timeOffset="981">1340 622 24575,'18'17'0,"-1"-4"0,5 4 0,-3-3 0,3 4 0,0 0 0,-4-1 0,5-3 0,-1 3 0,-4-7 0,4 7 0,1-3 0,-5 0 0,9 4 0,-8-9 0,8 5 0,-9-5 0,4 4 0,-4-4 0,4 4 0,-4-4 0,5 0 0,-6-1 0,0 1 0,0 0 0,-4-1 0,8 1 0,-10-1 0,15 1 0,-12-5 0,8 4 0,-5-3 0,1 0 0,-1 3 0,5-7 0,-4 6 0,5-6 0,-6 7 0,0-7 0,0 3 0,1 0 0,-1-3 0,0 6 0,-4-6 0,3 7 0,-3-7 0,5 3 0,-1-1 0,0-2 0,0 3 0,1 0 0,-5-3 0,3 7 0,-3-7 0,4 2 0,0 1 0,0-3 0</inkml:trace>
+  <inkml:trace contextRef="#ctx0" brushRef="#br0" timeOffset="1975">2942 1229 24575,'17'7'0,"1"2"0,5 0 0,-1 0 0,-4 0 0,4 0 0,1 0 0,-5-1 0,4 1 0,0 0 0,-3 0 0,3 0 0,-5 3 0,1-2 0,-1 3 0,0-5 0,0 5 0,5-3 0,-3 6 0,3-6 0,0 7 0,2-3 0,-1 1 0,4 2 0,-8-7 0,8 8 0,-16-11 0</inkml:trace>
+  <inkml:trace contextRef="#ctx0" brushRef="#br0" timeOffset="1976">3880 1788 24575,'19'13'0,"0"4"0,3 1 0,-5 0 0,0-1 0,0 0 0,1 0 0,-1-3 0,-4 2 0,0-3 0,-5 5 0,1-1 0,-1-4 0,1 3 0,-1-7 0,0 7 0,-3-7 0,2 3 0,-6-4 0,6 0 0,-6 4 0,2-3 0,-3 3 0,4-5 0,-4 1 0,8 4 0,-7-3 0,6 3 0,-6 0 0,6-3 0,-2 7 0,-1-7 0,3 3 0,-2 0 0,-1-3 0,4 7 0,-7-7 0,6 3 0,-2 0 0,-1-3 0,4 7 0,-7-7 0,7 7 0,-7-7 0,6 3 0,-6 0 0,2-4 0,1 4 0,-3 0 0,2-3 0,1 3 0,-4 0 0,7-3 0,-6 3 0,3-4 0,-1 4 0,-2-3 0,3 3 0,0-4 0,-3 4 0,2-4 0,1 4 0,-4 0 0,4-3 0,-1 3 0,-2-4 0,3 0 0,-4 0 0,3-1 0,-2 1 0,2 0 0,1 0 0,-3 0 0,2-1 0,-3 5 0,4-3 0,-3 3 0,2-4 0,-3 0 0,0 0 0,0-1 0,4 1 0,-4 0 0,4 0 0,-4 0 0,0-1 0,0 1 0,0 0 0,0 0 0,3 0 0,-2-1 0,3 1 0,-4-1 0,0 1 0,3-4 0,-2 3 0,2-3 0,-3 4 0,0 0 0,4-1 0,-3 0 0,2 1 0,-3-1 0,0 0 0,3-3 0,-2 3 0,3-3 0,-4 3 0,0 0 0,0 0 0,0 0 0,0 0 0,0 0 0,0 0 0,0 0 0,0 0 0,0 0 0,0 1 0,0-5 0,0 1 0</inkml:trace>
+</inkml:ink>
+</file>
+
+<file path=ppt/ink/ink5.xml><?xml version="1.0" encoding="utf-8"?>
+<inkml:ink xmlns:inkml="http://www.w3.org/2003/InkML">
+  <inkml:definitions>
+    <inkml:context xml:id="ctx0">
+      <inkml:inkSource xml:id="inkSrc0">
+        <inkml:traceFormat>
+          <inkml:channel name="X" type="integer" min="-2.14748E9" max="2.14748E9" units="cm"/>
+          <inkml:channel name="Y" type="integer" min="-2.14748E9" max="2.14748E9" units="cm"/>
+          <inkml:channel name="F" type="integer" max="32767" units="dev"/>
+        </inkml:traceFormat>
+        <inkml:channelProperties>
+          <inkml:channelProperty channel="X" name="resolution" value="1000" units="1/cm"/>
+          <inkml:channelProperty channel="Y" name="resolution" value="1000" units="1/cm"/>
+          <inkml:channelProperty channel="F" name="resolution" value="0" units="1/dev"/>
+        </inkml:channelProperties>
+      </inkml:inkSource>
+      <inkml:timestamp xml:id="ts0" timeString="2023-04-20T11:45:58.953"/>
+    </inkml:context>
+    <inkml:brush xml:id="br0">
+      <inkml:brushProperty name="width" value="0.05" units="cm"/>
+      <inkml:brushProperty name="height" value="0.05" units="cm"/>
+      <inkml:brushProperty name="color" value="#FFFFFF"/>
+    </inkml:brush>
+  </inkml:definitions>
+  <inkml:trace contextRef="#ctx0" brushRef="#br0">0 612 24575,'7'-11'0,"-2"3"0,6-3 0,-3-1 0,0 3 0,5-4 0,-5 5 0,9-4 0,-4 3 0,4-4 0,0 0 0,0 4 0,6-8 0,0 2 0,5-4 0,1 0 0,0-5 0,6 3 0,-4-4 0,8 5 0,-9 0 0,4 1 0,-5 0 0,-1 0 0,-5 4 0,-1 2 0,-4 4 0,-11 7 0</inkml:trace>
+  <inkml:trace contextRef="#ctx0" brushRef="#br0" timeOffset="1245">959 230 24575,'10'3'0,"6"-3"0,-3 0 0,4 0 0,-4 0 0,4 0 0,-9 4 0,9-3 0,-9 2 0,4-3 0,0 0 0,-3 0 0,3 0 0,0 0 0,-3 0 0,7 0 0,-3 0 0,0 0 0,4 0 0,-4 0 0,4 0 0,0 0 0,-4 0 0,3 4 0,-3-3 0,5 3 0,-1-4 0,0 0 0,0 0 0,1 0 0,-1 0 0,0 0 0,-4 0 0,3 0 0,-7 0 0,7 0 0,-7 0 0,7 0 0,-7 0 0,-3 0 0</inkml:trace>
+  <inkml:trace contextRef="#ctx0" brushRef="#br0" timeOffset="1246">1936 116 24575,'5'-2'0,"2"-6"0,5 0 0,-3 3 0,3-2 0,0 2 0,-3 1 0,3-4 0,0 3 0,-3 1 0,3-3 0,0 6 0,-3-6 0,3 6 0,-4-6 0,-1 6 0,1-6 0,0 6 0,0-3 0,0 1 0,-1 2 0,1-3 0,0 4 0,0 0 0,-1 0 0,1-3 0,0 2 0,-1-2 0,1 3 0,0 0 0,0-4 0,0 3 0,-1-2 0,1 3 0,0 0 0,0 0 0,0 0 0,-1 0 0,1 0 0,0 0 0,-1 0 0,1 0 0,-1 0 0,1 0 0,0 0 0,-1 0 0,1 0 0,-1 0 0,1 0 0,0 0 0,0 0 0,-1 0 0,0 0 0,1 0 0,0 0 0,-1 0 0,1 0 0,-1 0 0,1 0 0,-1 0 0,1 0 0,-1 0 0,1 0 0,0 0 0,0 0 0,-1 3 0,1-2 0,-1 5 0,1-5 0,0 2 0,-1 1 0,1-3 0,-4 5 0,3-5 0,-3 2 0,4 1 0,-1-4 0,0 7 0,1-6 0,-1 5 0,0-5 0,-3 6 0,0-3 0,-4 3 0,0 0 0,3-3 0,1-1 0,0 0 0,2 1 0,-5 3 0,5 0 0,-5 0 0,5-3 0,-5 3 0,5-7 0,-2 3 0,0 1 0,-1 0 0,1 0 0,0-1 0,0 0 0,2-2 0,-5 2 0,2-3 0</inkml:trace>
+</inkml:ink>
 </file>
 
 <file path=ppt/notesMasters/notesMaster1.xml><?xml version="1.0" encoding="utf-8"?>
@@ -1058,8 +1211,8 @@
         </p:nvSpPr>
         <p:spPr>
           <a:xfrm>
-            <a:off x="8305800" y="4410075"/>
-            <a:ext cx="1912620" cy="1466850"/>
+            <a:off x="7954879" y="4410075"/>
+            <a:ext cx="2378242" cy="1466850"/>
           </a:xfrm>
           <a:prstGeom prst="rect">
             <a:avLst/>
@@ -1071,26 +1224,24 @@
           <a:bodyPr wrap="square" lIns="0" tIns="0" rIns="0" bIns="0" rtlCol="0" anchor="t"/>
           <a:lstStyle/>
           <a:p>
-            <a:pPr marL="0" indent="0" algn="l">
+            <a:pPr marL="0" indent="0" algn="ctr">
               <a:lnSpc>
                 <a:spcPts val="11250"/>
               </a:lnSpc>
               <a:buNone/>
             </a:pPr>
             <a:r>
-              <a:rPr lang="en-US" sz="9600" dirty="0">
+              <a:rPr lang="en-US" sz="13800" dirty="0">
                 <a:solidFill>
                   <a:srgbClr val="FFFFFF"/>
                 </a:solidFill>
-                <a:latin typeface="F37 Caslon Display" panose="00000500000000000000" pitchFamily="50" charset="0"/>
-                <a:ea typeface="F37 Caslon Bold Display" pitchFamily="34" charset="-122"/>
-                <a:cs typeface="F37 Caslon Bold Display" pitchFamily="34" charset="-120"/>
+                <a:latin typeface="F37 Caslon Display" pitchFamily="34" charset="0"/>
+                <a:ea typeface="F37 Caslon Display" pitchFamily="34" charset="-122"/>
+                <a:cs typeface="F37 Caslon Display" pitchFamily="34" charset="-120"/>
               </a:rPr>
               <a:t>B11</a:t>
             </a:r>
-            <a:endParaRPr lang="en-US" sz="9600" dirty="0">
-              <a:latin typeface="F37 Caslon Display" panose="00000500000000000000" pitchFamily="50" charset="0"/>
-            </a:endParaRPr>
+            <a:endParaRPr lang="en-US" sz="13800" dirty="0"/>
           </a:p>
         </p:txBody>
       </p:sp>
@@ -1171,31 +1322,8 @@
         </p:blipFill>
         <p:spPr>
           <a:xfrm>
-            <a:off x="0" y="0"/>
-            <a:ext cx="18288000" cy="10287000"/>
-          </a:xfrm>
-          <a:prstGeom prst="rect">
-            <a:avLst/>
-          </a:prstGeom>
-        </p:spPr>
-      </p:pic>
-      <p:pic>
-        <p:nvPicPr>
-          <p:cNvPr id="4" name="Image 2" descr="preencoded.png"/>
-          <p:cNvPicPr>
-            <a:picLocks noChangeAspect="1"/>
-          </p:cNvPicPr>
-          <p:nvPr/>
-        </p:nvPicPr>
-        <p:blipFill>
-          <a:blip r:embed="rId6"/>
-          <a:srcRect/>
-          <a:stretch/>
-        </p:blipFill>
-        <p:spPr>
-          <a:xfrm>
-            <a:off x="2286000" y="4143375"/>
-            <a:ext cx="13716000" cy="3835021"/>
+            <a:off x="0" y="368969"/>
+            <a:ext cx="18291200" cy="10288800"/>
           </a:xfrm>
           <a:prstGeom prst="rect">
             <a:avLst/>
@@ -1210,8 +1338,8 @@
         </p:nvSpPr>
         <p:spPr>
           <a:xfrm>
-            <a:off x="1009650" y="819150"/>
-            <a:ext cx="4000500" cy="1123950"/>
+            <a:off x="5309436" y="4614612"/>
+            <a:ext cx="7669129" cy="1057777"/>
           </a:xfrm>
           <a:prstGeom prst="rect">
             <a:avLst/>
@@ -1223,241 +1351,24 @@
           <a:bodyPr wrap="square" lIns="0" tIns="0" rIns="0" bIns="0" rtlCol="0" anchor="t"/>
           <a:lstStyle/>
           <a:p>
-            <a:pPr marL="0" indent="0" algn="l">
+            <a:pPr marL="0" indent="0" algn="ctr">
               <a:lnSpc>
                 <a:spcPts val="8625"/>
               </a:lnSpc>
               <a:buNone/>
             </a:pPr>
             <a:r>
-              <a:rPr lang="en-US" sz="7349" dirty="0">
+              <a:rPr lang="en-US" sz="13800" dirty="0">
                 <a:solidFill>
                   <a:srgbClr val="FFFFFF"/>
                 </a:solidFill>
-                <a:latin typeface="F37 Caslon Display" panose="00000500000000000000" pitchFamily="50" charset="0"/>
-                <a:ea typeface="F37 Caslon Bold Display" pitchFamily="34" charset="-122"/>
-                <a:cs typeface="F37 Caslon Bold Display" pitchFamily="34" charset="-120"/>
+                <a:latin typeface="F37 Caslon Display" pitchFamily="34" charset="0"/>
+                <a:ea typeface="F37 Caslon Display" pitchFamily="34" charset="-122"/>
+                <a:cs typeface="F37 Caslon Display" pitchFamily="34" charset="-120"/>
               </a:rPr>
               <a:t>Our Team</a:t>
             </a:r>
-            <a:endParaRPr lang="en-US" sz="7349" dirty="0">
-              <a:latin typeface="F37 Caslon Display" panose="00000500000000000000" pitchFamily="50" charset="0"/>
-            </a:endParaRPr>
-          </a:p>
-        </p:txBody>
-      </p:sp>
-      <p:sp>
-        <p:nvSpPr>
-          <p:cNvPr id="6" name="Text 1"/>
-          <p:cNvSpPr/>
-          <p:nvPr/>
-        </p:nvSpPr>
-        <p:spPr>
-          <a:xfrm>
-            <a:off x="2695575" y="6981168"/>
-            <a:ext cx="1438275" cy="1009650"/>
-          </a:xfrm>
-          <a:prstGeom prst="rect">
-            <a:avLst/>
-          </a:prstGeom>
-          <a:noFill/>
-          <a:ln/>
-        </p:spPr>
-        <p:txBody>
-          <a:bodyPr wrap="square" lIns="0" tIns="0" rIns="0" bIns="0" rtlCol="0" anchor="t"/>
-          <a:lstStyle/>
-          <a:p>
-            <a:pPr marL="0" indent="0" algn="ctr">
-              <a:lnSpc>
-                <a:spcPts val="3975"/>
-              </a:lnSpc>
-              <a:buNone/>
-            </a:pPr>
-            <a:r>
-              <a:rPr lang="en-US" sz="3285" dirty="0">
-                <a:solidFill>
-                  <a:srgbClr val="FFFFFF"/>
-                </a:solidFill>
-                <a:latin typeface="Lato Regular" pitchFamily="34" charset="0"/>
-                <a:ea typeface="Lato Regular" pitchFamily="34" charset="-122"/>
-                <a:cs typeface="Lato Regular" pitchFamily="34" charset="-120"/>
-              </a:rPr>
-              <a:t>Soner 
-Solakov</a:t>
-            </a:r>
-            <a:endParaRPr lang="en-US" sz="3285" dirty="0"/>
-          </a:p>
-        </p:txBody>
-      </p:sp>
-      <p:sp>
-        <p:nvSpPr>
-          <p:cNvPr id="7" name="Text 2"/>
-          <p:cNvSpPr/>
-          <p:nvPr/>
-        </p:nvSpPr>
-        <p:spPr>
-          <a:xfrm>
-            <a:off x="5629275" y="6979913"/>
-            <a:ext cx="1228725" cy="1009650"/>
-          </a:xfrm>
-          <a:prstGeom prst="rect">
-            <a:avLst/>
-          </a:prstGeom>
-          <a:noFill/>
-          <a:ln/>
-        </p:spPr>
-        <p:txBody>
-          <a:bodyPr wrap="square" lIns="0" tIns="0" rIns="0" bIns="0" rtlCol="0" anchor="t"/>
-          <a:lstStyle/>
-          <a:p>
-            <a:pPr marL="0" indent="0" algn="ctr">
-              <a:lnSpc>
-                <a:spcPts val="3975"/>
-              </a:lnSpc>
-              <a:buNone/>
-            </a:pPr>
-            <a:r>
-              <a:rPr lang="en-US" sz="3285" dirty="0">
-                <a:solidFill>
-                  <a:srgbClr val="FFFFFF"/>
-                </a:solidFill>
-                <a:latin typeface="Lato Regular" pitchFamily="34" charset="0"/>
-                <a:ea typeface="Lato Regular" pitchFamily="34" charset="-122"/>
-                <a:cs typeface="Lato Regular" pitchFamily="34" charset="-120"/>
-              </a:rPr>
-              <a:t>Valeri
-Ivanov</a:t>
-            </a:r>
-            <a:endParaRPr lang="en-US" sz="3285" dirty="0"/>
-          </a:p>
-        </p:txBody>
-      </p:sp>
-      <p:sp>
-        <p:nvSpPr>
-          <p:cNvPr id="8" name="Text 3"/>
-          <p:cNvSpPr/>
-          <p:nvPr/>
-        </p:nvSpPr>
-        <p:spPr>
-          <a:xfrm>
-            <a:off x="8210550" y="6979913"/>
-            <a:ext cx="1876425" cy="1009650"/>
-          </a:xfrm>
-          <a:prstGeom prst="rect">
-            <a:avLst/>
-          </a:prstGeom>
-          <a:noFill/>
-          <a:ln/>
-        </p:spPr>
-        <p:txBody>
-          <a:bodyPr wrap="square" lIns="0" tIns="0" rIns="0" bIns="0" rtlCol="0" anchor="t"/>
-          <a:lstStyle/>
-          <a:p>
-            <a:pPr marL="0" indent="0" algn="ctr">
-              <a:lnSpc>
-                <a:spcPts val="3975"/>
-              </a:lnSpc>
-              <a:buNone/>
-            </a:pPr>
-            <a:r>
-              <a:rPr lang="en-US" sz="3285" dirty="0">
-                <a:solidFill>
-                  <a:srgbClr val="FFFFFF"/>
-                </a:solidFill>
-                <a:latin typeface="Lato Regular" pitchFamily="34" charset="0"/>
-                <a:ea typeface="Lato Regular" pitchFamily="34" charset="-122"/>
-                <a:cs typeface="Lato Regular" pitchFamily="34" charset="-120"/>
-              </a:rPr>
-              <a:t>Alexander
-Manov</a:t>
-            </a:r>
-            <a:endParaRPr lang="en-US" sz="3285" dirty="0"/>
-          </a:p>
-        </p:txBody>
-      </p:sp>
-      <p:sp>
-        <p:nvSpPr>
-          <p:cNvPr id="9" name="Text 4"/>
-          <p:cNvSpPr/>
-          <p:nvPr/>
-        </p:nvSpPr>
-        <p:spPr>
-          <a:xfrm>
-            <a:off x="11325225" y="6979913"/>
-            <a:ext cx="1381125" cy="1009650"/>
-          </a:xfrm>
-          <a:prstGeom prst="rect">
-            <a:avLst/>
-          </a:prstGeom>
-          <a:noFill/>
-          <a:ln/>
-        </p:spPr>
-        <p:txBody>
-          <a:bodyPr wrap="square" lIns="0" tIns="0" rIns="0" bIns="0" rtlCol="0" anchor="t"/>
-          <a:lstStyle/>
-          <a:p>
-            <a:pPr marL="0" indent="0" algn="ctr">
-              <a:lnSpc>
-                <a:spcPts val="3975"/>
-              </a:lnSpc>
-              <a:buNone/>
-            </a:pPr>
-            <a:r>
-              <a:rPr lang="en-US" sz="3285" dirty="0">
-                <a:solidFill>
-                  <a:srgbClr val="FFFFFF"/>
-                </a:solidFill>
-                <a:latin typeface="Lato Regular" pitchFamily="34" charset="0"/>
-                <a:ea typeface="Lato Regular" pitchFamily="34" charset="-122"/>
-                <a:cs typeface="Lato Regular" pitchFamily="34" charset="-120"/>
-              </a:rPr>
-              <a:t>Simeon
-Boev</a:t>
-            </a:r>
-            <a:endParaRPr lang="en-US" sz="3285" dirty="0"/>
-          </a:p>
-        </p:txBody>
-      </p:sp>
-      <p:sp>
-        <p:nvSpPr>
-          <p:cNvPr id="10" name="Text 5"/>
-          <p:cNvSpPr/>
-          <p:nvPr/>
-        </p:nvSpPr>
-        <p:spPr>
-          <a:xfrm>
-            <a:off x="14146530" y="6968746"/>
-            <a:ext cx="1649730" cy="1009650"/>
-          </a:xfrm>
-          <a:prstGeom prst="rect">
-            <a:avLst/>
-          </a:prstGeom>
-          <a:noFill/>
-          <a:ln/>
-        </p:spPr>
-        <p:txBody>
-          <a:bodyPr wrap="square" lIns="0" tIns="0" rIns="0" bIns="0" rtlCol="0" anchor="t"/>
-          <a:lstStyle/>
-          <a:p>
-            <a:pPr marL="0" indent="0" algn="ctr">
-              <a:lnSpc>
-                <a:spcPts val="3975"/>
-              </a:lnSpc>
-              <a:buNone/>
-            </a:pPr>
-            <a:r>
-              <a:rPr lang="en-US" sz="3285" dirty="0">
-                <a:solidFill>
-                  <a:srgbClr val="FFFFFF"/>
-                </a:solidFill>
-                <a:latin typeface="Lato Regular" pitchFamily="34" charset="0"/>
-                <a:ea typeface="Lato Regular" pitchFamily="34" charset="-122"/>
-                <a:cs typeface="Lato Regular" pitchFamily="34" charset="-120"/>
-              </a:rPr>
-              <a:t>Zhanet
-Petkova</a:t>
-            </a:r>
-            <a:endParaRPr lang="en-US" sz="3285" dirty="0"/>
+            <a:endParaRPr lang="en-US" sz="13800" dirty="0"/>
           </a:p>
         </p:txBody>
       </p:sp>
@@ -1758,19 +1669,17 @@
               <a:buNone/>
             </a:pPr>
             <a:r>
-              <a:rPr lang="en-US" sz="7349" dirty="0">
+              <a:rPr lang="en-US" sz="7349" b="1" dirty="0">
                 <a:solidFill>
                   <a:srgbClr val="FFFFFF"/>
                 </a:solidFill>
-                <a:latin typeface="F37 Caslon Display" panose="00000500000000000000" pitchFamily="50" charset="0"/>
-                <a:ea typeface="F37 Caslon Bold Display" pitchFamily="34" charset="-122"/>
-                <a:cs typeface="F37 Caslon Bold Display" pitchFamily="34" charset="-120"/>
+                <a:latin typeface="F37 Caslon Display" pitchFamily="34" charset="0"/>
+                <a:ea typeface="F37 Caslon Display" pitchFamily="34" charset="-122"/>
+                <a:cs typeface="F37 Caslon Display" pitchFamily="34" charset="-120"/>
               </a:rPr>
               <a:t>Tech Stack</a:t>
             </a:r>
-            <a:endParaRPr lang="en-US" sz="7349" dirty="0">
-              <a:latin typeface="F37 Caslon Display" panose="00000500000000000000" pitchFamily="50" charset="0"/>
-            </a:endParaRPr>
+            <a:endParaRPr lang="en-US" sz="7349" b="1" dirty="0"/>
           </a:p>
         </p:txBody>
       </p:sp>
@@ -1880,7 +1789,7 @@
         </p:blipFill>
         <p:spPr>
           <a:xfrm>
-            <a:off x="9020175" y="2990850"/>
+            <a:off x="10067925" y="1680159"/>
             <a:ext cx="1847850" cy="1847850"/>
           </a:xfrm>
           <a:prstGeom prst="rect">
@@ -1909,7 +1818,7 @@
         </p:blipFill>
         <p:spPr>
           <a:xfrm>
-            <a:off x="9753600" y="5448300"/>
+            <a:off x="8991600" y="7500937"/>
             <a:ext cx="1847850" cy="1847850"/>
           </a:xfrm>
           <a:prstGeom prst="rect">
@@ -1938,7 +1847,7 @@
         </p:blipFill>
         <p:spPr>
           <a:xfrm>
-            <a:off x="12020550" y="6162675"/>
+            <a:off x="14811876" y="7296150"/>
             <a:ext cx="1847850" cy="1847850"/>
           </a:xfrm>
           <a:prstGeom prst="rect">
@@ -1967,7 +1876,7 @@
         </p:blipFill>
         <p:spPr>
           <a:xfrm>
-            <a:off x="12020550" y="3800475"/>
+            <a:off x="14402301" y="3134226"/>
             <a:ext cx="1847850" cy="1847850"/>
           </a:xfrm>
           <a:prstGeom prst="rect">
@@ -1996,7 +1905,7 @@
         </p:blipFill>
         <p:spPr>
           <a:xfrm>
-            <a:off x="7486650" y="4524375"/>
+            <a:off x="7486650" y="4219575"/>
             <a:ext cx="1847850" cy="1847850"/>
           </a:xfrm>
           <a:prstGeom prst="rect">
@@ -2036,15 +1945,13 @@
                 <a:solidFill>
                   <a:srgbClr val="FFFFFF"/>
                 </a:solidFill>
-                <a:latin typeface="F37 Caslon Display" panose="00000500000000000000" pitchFamily="50" charset="0"/>
-                <a:ea typeface="F37 Caslon Bold Display" pitchFamily="34" charset="-122"/>
-                <a:cs typeface="F37 Caslon Bold Display" pitchFamily="34" charset="-120"/>
+                <a:latin typeface="F37 Caslon Display" pitchFamily="34" charset="0"/>
+                <a:ea typeface="F37 Caslon Display" pitchFamily="34" charset="-122"/>
+                <a:cs typeface="F37 Caslon Display" pitchFamily="34" charset="-120"/>
               </a:rPr>
               <a:t>Our Solution</a:t>
             </a:r>
-            <a:endParaRPr lang="en-US" sz="7349" dirty="0">
-              <a:latin typeface="F37 Caslon Display" panose="00000500000000000000" pitchFamily="50" charset="0"/>
-            </a:endParaRPr>
+            <a:endParaRPr lang="en-US" sz="7349" dirty="0"/>
           </a:p>
         </p:txBody>
       </p:sp>
@@ -2100,7 +2007,7 @@
         </p:nvSpPr>
         <p:spPr>
           <a:xfrm>
-            <a:off x="9570720" y="3714750"/>
+            <a:off x="10412730" y="2399296"/>
             <a:ext cx="1158240" cy="409575"/>
           </a:xfrm>
           <a:prstGeom prst="rect">
@@ -2113,7 +2020,7 @@
           <a:bodyPr wrap="square" lIns="0" tIns="0" rIns="0" bIns="0" rtlCol="0" anchor="t"/>
           <a:lstStyle/>
           <a:p>
-            <a:pPr marL="0" indent="0" algn="l">
+            <a:pPr marL="0" indent="0" algn="ctr">
               <a:lnSpc>
                 <a:spcPts val="3150"/>
               </a:lnSpc>
@@ -2124,9 +2031,9 @@
                 <a:solidFill>
                   <a:srgbClr val="FFFFFF"/>
                 </a:solidFill>
-                <a:latin typeface="F37 Caslon Bold Display" pitchFamily="34" charset="0"/>
-                <a:ea typeface="F37 Caslon Bold Display" pitchFamily="34" charset="-122"/>
-                <a:cs typeface="F37 Caslon Bold Display" pitchFamily="34" charset="-120"/>
+                <a:latin typeface="F37 Caslon Display" pitchFamily="34" charset="0"/>
+                <a:ea typeface="F37 Caslon Display" pitchFamily="34" charset="-122"/>
+                <a:cs typeface="F37 Caslon Display" pitchFamily="34" charset="-120"/>
               </a:rPr>
               <a:t>FIBER</a:t>
             </a:r>
@@ -2142,8 +2049,8 @@
         </p:nvSpPr>
         <p:spPr>
           <a:xfrm>
-            <a:off x="10239374" y="6162675"/>
-            <a:ext cx="1190625" cy="409575"/>
+            <a:off x="9391650" y="8236116"/>
+            <a:ext cx="1047750" cy="409575"/>
           </a:xfrm>
           <a:prstGeom prst="rect">
             <a:avLst/>
@@ -2155,7 +2062,7 @@
           <a:bodyPr wrap="square" lIns="0" tIns="0" rIns="0" bIns="0" rtlCol="0" anchor="t"/>
           <a:lstStyle/>
           <a:p>
-            <a:pPr marL="0" indent="0" algn="l">
+            <a:pPr marL="0" indent="0" algn="ctr">
               <a:lnSpc>
                 <a:spcPts val="3150"/>
               </a:lnSpc>
@@ -2166,9 +2073,9 @@
                 <a:solidFill>
                   <a:srgbClr val="FFFFFF"/>
                 </a:solidFill>
-                <a:latin typeface="F37 Caslon Bold Display" pitchFamily="34" charset="0"/>
-                <a:ea typeface="F37 Caslon Bold Display" pitchFamily="34" charset="-122"/>
-                <a:cs typeface="F37 Caslon Bold Display" pitchFamily="34" charset="-120"/>
+                <a:latin typeface="F37 Caslon Display" pitchFamily="34" charset="0"/>
+                <a:ea typeface="F37 Caslon Display" pitchFamily="34" charset="-122"/>
+                <a:cs typeface="F37 Caslon Display" pitchFamily="34" charset="-120"/>
               </a:rPr>
               <a:t>GLASS</a:t>
             </a:r>
@@ -2184,7 +2091,7 @@
         </p:nvSpPr>
         <p:spPr>
           <a:xfrm>
-            <a:off x="12547282" y="6877050"/>
+            <a:off x="15221451" y="8015287"/>
             <a:ext cx="1028700" cy="409575"/>
           </a:xfrm>
           <a:prstGeom prst="rect">
@@ -2197,7 +2104,7 @@
           <a:bodyPr wrap="square" lIns="0" tIns="0" rIns="0" bIns="0" rtlCol="0" anchor="t"/>
           <a:lstStyle/>
           <a:p>
-            <a:pPr marL="0" indent="0" algn="l">
+            <a:pPr marL="0" indent="0" algn="ctr">
               <a:lnSpc>
                 <a:spcPts val="3150"/>
               </a:lnSpc>
@@ -2208,9 +2115,9 @@
                 <a:solidFill>
                   <a:srgbClr val="FFFFFF"/>
                 </a:solidFill>
-                <a:latin typeface="F37 Caslon Bold Display" pitchFamily="34" charset="0"/>
-                <a:ea typeface="F37 Caslon Bold Display" pitchFamily="34" charset="-122"/>
-                <a:cs typeface="F37 Caslon Bold Display" pitchFamily="34" charset="-120"/>
+                <a:latin typeface="F37 Caslon Display" pitchFamily="34" charset="0"/>
+                <a:ea typeface="F37 Caslon Display" pitchFamily="34" charset="-122"/>
+                <a:cs typeface="F37 Caslon Display" pitchFamily="34" charset="-120"/>
               </a:rPr>
               <a:t>STEEL</a:t>
             </a:r>
@@ -2226,7 +2133,7 @@
         </p:nvSpPr>
         <p:spPr>
           <a:xfrm>
-            <a:off x="12371070" y="4543425"/>
+            <a:off x="14655315" y="3858126"/>
             <a:ext cx="1381125" cy="409575"/>
           </a:xfrm>
           <a:prstGeom prst="rect">
@@ -2239,7 +2146,7 @@
           <a:bodyPr wrap="square" lIns="0" tIns="0" rIns="0" bIns="0" rtlCol="0" anchor="t"/>
           <a:lstStyle/>
           <a:p>
-            <a:pPr marL="0" indent="0" algn="l">
+            <a:pPr marL="0" indent="0" algn="ctr">
               <a:lnSpc>
                 <a:spcPts val="3150"/>
               </a:lnSpc>
@@ -2250,9 +2157,9 @@
                 <a:solidFill>
                   <a:srgbClr val="FFFFFF"/>
                 </a:solidFill>
-                <a:latin typeface="F37 Caslon Bold Display" pitchFamily="34" charset="0"/>
-                <a:ea typeface="F37 Caslon Bold Display" pitchFamily="34" charset="-122"/>
-                <a:cs typeface="F37 Caslon Bold Display" pitchFamily="34" charset="-120"/>
+                <a:latin typeface="F37 Caslon Display" pitchFamily="34" charset="0"/>
+                <a:ea typeface="F37 Caslon Display" pitchFamily="34" charset="-122"/>
+                <a:cs typeface="F37 Caslon Display" pitchFamily="34" charset="-120"/>
               </a:rPr>
               <a:t>PLASTIC</a:t>
             </a:r>
@@ -2268,7 +2175,7 @@
         </p:nvSpPr>
         <p:spPr>
           <a:xfrm>
-            <a:off x="7881937" y="5243512"/>
+            <a:off x="7829550" y="4982076"/>
             <a:ext cx="1162050" cy="409575"/>
           </a:xfrm>
           <a:prstGeom prst="rect">
@@ -2281,7 +2188,7 @@
           <a:bodyPr wrap="square" lIns="0" tIns="0" rIns="0" bIns="0" rtlCol="0" anchor="t"/>
           <a:lstStyle/>
           <a:p>
-            <a:pPr marL="0" indent="0" algn="l">
+            <a:pPr marL="0" indent="0" algn="ctr">
               <a:lnSpc>
                 <a:spcPts val="3150"/>
               </a:lnSpc>
@@ -2292,9 +2199,9 @@
                 <a:solidFill>
                   <a:srgbClr val="FFFFFF"/>
                 </a:solidFill>
-                <a:latin typeface="F37 Caslon Bold Display" pitchFamily="34" charset="0"/>
-                <a:ea typeface="F37 Caslon Bold Display" pitchFamily="34" charset="-122"/>
-                <a:cs typeface="F37 Caslon Bold Display" pitchFamily="34" charset="-120"/>
+                <a:latin typeface="F37 Caslon Display" pitchFamily="34" charset="0"/>
+                <a:ea typeface="F37 Caslon Display" pitchFamily="34" charset="-122"/>
+                <a:cs typeface="F37 Caslon Display" pitchFamily="34" charset="-120"/>
               </a:rPr>
               <a:t>WOOD</a:t>
             </a:r>
@@ -2302,6 +2209,291 @@
           </a:p>
         </p:txBody>
       </p:sp>
+      <p:pic>
+        <p:nvPicPr>
+          <p:cNvPr id="17" name="Picture 16" descr="A picture containing graphics, design&#10;&#10;Description automatically generated">
+            <a:extLst>
+              <a:ext uri="{FF2B5EF4-FFF2-40B4-BE49-F238E27FC236}">
+                <a16:creationId xmlns:a16="http://schemas.microsoft.com/office/drawing/2014/main" id="{DCFB1742-3E5A-C99A-B62F-E7D8C329B9A1}"/>
+              </a:ext>
+            </a:extLst>
+          </p:cNvPr>
+          <p:cNvPicPr>
+            <a:picLocks noChangeAspect="1"/>
+          </p:cNvPicPr>
+          <p:nvPr/>
+        </p:nvPicPr>
+        <p:blipFill>
+          <a:blip r:embed="rId8"/>
+          <a:stretch>
+            <a:fillRect/>
+          </a:stretch>
+        </p:blipFill>
+        <p:spPr>
+          <a:xfrm>
+            <a:off x="10559567" y="3604274"/>
+            <a:ext cx="3629023" cy="3896663"/>
+          </a:xfrm>
+          <a:prstGeom prst="rect">
+            <a:avLst/>
+          </a:prstGeom>
+        </p:spPr>
+      </p:pic>
+      <mc:AlternateContent xmlns:mc="http://schemas.openxmlformats.org/markup-compatibility/2006">
+        <mc:Choice xmlns:p14="http://schemas.microsoft.com/office/powerpoint/2010/main" Requires="p14">
+          <p:contentPart p14:bwMode="auto" r:id="rId9">
+            <p14:nvContentPartPr>
+              <p14:cNvPr id="41" name="Ink 40">
+                <a:extLst>
+                  <a:ext uri="{FF2B5EF4-FFF2-40B4-BE49-F238E27FC236}">
+                    <a16:creationId xmlns:a16="http://schemas.microsoft.com/office/drawing/2014/main" id="{5A6A1ACA-1263-D955-EEC2-39D9583636F7}"/>
+                  </a:ext>
+                </a:extLst>
+              </p14:cNvPr>
+              <p14:cNvContentPartPr/>
+              <p14:nvPr/>
+            </p14:nvContentPartPr>
+            <p14:xfrm>
+              <a:off x="9335794" y="4877880"/>
+              <a:ext cx="1628640" cy="773280"/>
+            </p14:xfrm>
+          </p:contentPart>
+        </mc:Choice>
+        <mc:Fallback>
+          <p:pic>
+            <p:nvPicPr>
+              <p:cNvPr id="41" name="Ink 40">
+                <a:extLst>
+                  <a:ext uri="{FF2B5EF4-FFF2-40B4-BE49-F238E27FC236}">
+                    <a16:creationId xmlns:a16="http://schemas.microsoft.com/office/drawing/2014/main" id="{5A6A1ACA-1263-D955-EEC2-39D9583636F7}"/>
+                  </a:ext>
+                </a:extLst>
+              </p:cNvPr>
+              <p:cNvPicPr/>
+              <p:nvPr/>
+            </p:nvPicPr>
+            <p:blipFill>
+              <a:blip r:embed="rId10"/>
+              <a:stretch>
+                <a:fillRect/>
+              </a:stretch>
+            </p:blipFill>
+            <p:spPr>
+              <a:xfrm>
+                <a:off x="9326794" y="4869240"/>
+                <a:ext cx="1646280" cy="790920"/>
+              </a:xfrm>
+              <a:prstGeom prst="rect">
+                <a:avLst/>
+              </a:prstGeom>
+            </p:spPr>
+          </p:pic>
+        </mc:Fallback>
+      </mc:AlternateContent>
+      <mc:AlternateContent xmlns:mc="http://schemas.openxmlformats.org/markup-compatibility/2006">
+        <mc:Choice xmlns:p14="http://schemas.microsoft.com/office/powerpoint/2010/main" Requires="p14">
+          <p:contentPart p14:bwMode="auto" r:id="rId11">
+            <p14:nvContentPartPr>
+              <p14:cNvPr id="30" name="Ink 29">
+                <a:extLst>
+                  <a:ext uri="{FF2B5EF4-FFF2-40B4-BE49-F238E27FC236}">
+                    <a16:creationId xmlns:a16="http://schemas.microsoft.com/office/drawing/2014/main" id="{62BF02C1-1A42-D4FC-B53C-0D6D94A31B72}"/>
+                  </a:ext>
+                </a:extLst>
+              </p14:cNvPr>
+              <p14:cNvContentPartPr/>
+              <p14:nvPr/>
+            </p14:nvContentPartPr>
+            <p14:xfrm>
+              <a:off x="11045074" y="3532200"/>
+              <a:ext cx="667800" cy="1298520"/>
+            </p14:xfrm>
+          </p:contentPart>
+        </mc:Choice>
+        <mc:Fallback>
+          <p:pic>
+            <p:nvPicPr>
+              <p:cNvPr id="30" name="Ink 29">
+                <a:extLst>
+                  <a:ext uri="{FF2B5EF4-FFF2-40B4-BE49-F238E27FC236}">
+                    <a16:creationId xmlns:a16="http://schemas.microsoft.com/office/drawing/2014/main" id="{62BF02C1-1A42-D4FC-B53C-0D6D94A31B72}"/>
+                  </a:ext>
+                </a:extLst>
+              </p:cNvPr>
+              <p:cNvPicPr/>
+              <p:nvPr/>
+            </p:nvPicPr>
+            <p:blipFill>
+              <a:blip r:embed="rId12"/>
+              <a:stretch>
+                <a:fillRect/>
+              </a:stretch>
+            </p:blipFill>
+            <p:spPr>
+              <a:xfrm>
+                <a:off x="11036074" y="3523200"/>
+                <a:ext cx="685440" cy="1316160"/>
+              </a:xfrm>
+              <a:prstGeom prst="rect">
+                <a:avLst/>
+              </a:prstGeom>
+            </p:spPr>
+          </p:pic>
+        </mc:Fallback>
+      </mc:AlternateContent>
+      <mc:AlternateContent xmlns:mc="http://schemas.openxmlformats.org/markup-compatibility/2006">
+        <mc:Choice xmlns:p14="http://schemas.microsoft.com/office/powerpoint/2010/main" Requires="p14">
+          <p:contentPart p14:bwMode="auto" r:id="rId13">
+            <p14:nvContentPartPr>
+              <p14:cNvPr id="40" name="Ink 39">
+                <a:extLst>
+                  <a:ext uri="{FF2B5EF4-FFF2-40B4-BE49-F238E27FC236}">
+                    <a16:creationId xmlns:a16="http://schemas.microsoft.com/office/drawing/2014/main" id="{E9189194-E7D6-F521-4D0E-7AFE3E1025F7}"/>
+                  </a:ext>
+                </a:extLst>
+              </p14:cNvPr>
+              <p14:cNvContentPartPr/>
+              <p14:nvPr/>
+            </p14:nvContentPartPr>
+            <p14:xfrm>
+              <a:off x="10440994" y="6850320"/>
+              <a:ext cx="1100520" cy="662040"/>
+            </p14:xfrm>
+          </p:contentPart>
+        </mc:Choice>
+        <mc:Fallback>
+          <p:pic>
+            <p:nvPicPr>
+              <p:cNvPr id="40" name="Ink 39">
+                <a:extLst>
+                  <a:ext uri="{FF2B5EF4-FFF2-40B4-BE49-F238E27FC236}">
+                    <a16:creationId xmlns:a16="http://schemas.microsoft.com/office/drawing/2014/main" id="{E9189194-E7D6-F521-4D0E-7AFE3E1025F7}"/>
+                  </a:ext>
+                </a:extLst>
+              </p:cNvPr>
+              <p:cNvPicPr/>
+              <p:nvPr/>
+            </p:nvPicPr>
+            <p:blipFill>
+              <a:blip r:embed="rId14"/>
+              <a:stretch>
+                <a:fillRect/>
+              </a:stretch>
+            </p:blipFill>
+            <p:spPr>
+              <a:xfrm>
+                <a:off x="10431994" y="6841320"/>
+                <a:ext cx="1118160" cy="679680"/>
+              </a:xfrm>
+              <a:prstGeom prst="rect">
+                <a:avLst/>
+              </a:prstGeom>
+            </p:spPr>
+          </p:pic>
+        </mc:Fallback>
+      </mc:AlternateContent>
+      <mc:AlternateContent xmlns:mc="http://schemas.openxmlformats.org/markup-compatibility/2006">
+        <mc:Choice xmlns:p14="http://schemas.microsoft.com/office/powerpoint/2010/main" Requires="p14">
+          <p:contentPart p14:bwMode="auto" r:id="rId15">
+            <p14:nvContentPartPr>
+              <p14:cNvPr id="35" name="Ink 34">
+                <a:extLst>
+                  <a:ext uri="{FF2B5EF4-FFF2-40B4-BE49-F238E27FC236}">
+                    <a16:creationId xmlns:a16="http://schemas.microsoft.com/office/drawing/2014/main" id="{D2DD17E3-80BD-2B40-73CD-A37ADFA946F1}"/>
+                  </a:ext>
+                </a:extLst>
+              </p14:cNvPr>
+              <p14:cNvContentPartPr/>
+              <p14:nvPr/>
+            </p14:nvContentPartPr>
+            <p14:xfrm>
+              <a:off x="13374103" y="6253114"/>
+              <a:ext cx="1566360" cy="1068840"/>
+            </p14:xfrm>
+          </p:contentPart>
+        </mc:Choice>
+        <mc:Fallback>
+          <p:pic>
+            <p:nvPicPr>
+              <p:cNvPr id="35" name="Ink 34">
+                <a:extLst>
+                  <a:ext uri="{FF2B5EF4-FFF2-40B4-BE49-F238E27FC236}">
+                    <a16:creationId xmlns:a16="http://schemas.microsoft.com/office/drawing/2014/main" id="{D2DD17E3-80BD-2B40-73CD-A37ADFA946F1}"/>
+                  </a:ext>
+                </a:extLst>
+              </p:cNvPr>
+              <p:cNvPicPr/>
+              <p:nvPr/>
+            </p:nvPicPr>
+            <p:blipFill>
+              <a:blip r:embed="rId16"/>
+              <a:stretch>
+                <a:fillRect/>
+              </a:stretch>
+            </p:blipFill>
+            <p:spPr>
+              <a:xfrm>
+                <a:off x="13365103" y="6244114"/>
+                <a:ext cx="1584000" cy="1086480"/>
+              </a:xfrm>
+              <a:prstGeom prst="rect">
+                <a:avLst/>
+              </a:prstGeom>
+            </p:spPr>
+          </p:pic>
+        </mc:Fallback>
+      </mc:AlternateContent>
+      <mc:AlternateContent xmlns:mc="http://schemas.openxmlformats.org/markup-compatibility/2006">
+        <mc:Choice xmlns:p14="http://schemas.microsoft.com/office/powerpoint/2010/main" Requires="p14">
+          <p:contentPart p14:bwMode="auto" r:id="rId17">
+            <p14:nvContentPartPr>
+              <p14:cNvPr id="32" name="Ink 31">
+                <a:extLst>
+                  <a:ext uri="{FF2B5EF4-FFF2-40B4-BE49-F238E27FC236}">
+                    <a16:creationId xmlns:a16="http://schemas.microsoft.com/office/drawing/2014/main" id="{271FF7DC-A544-EFE6-3335-986D909EF92C}"/>
+                  </a:ext>
+                </a:extLst>
+              </p14:cNvPr>
+              <p14:cNvContentPartPr/>
+              <p14:nvPr/>
+            </p14:nvContentPartPr>
+            <p14:xfrm>
+              <a:off x="13455103" y="4534474"/>
+              <a:ext cx="959040" cy="220320"/>
+            </p14:xfrm>
+          </p:contentPart>
+        </mc:Choice>
+        <mc:Fallback>
+          <p:pic>
+            <p:nvPicPr>
+              <p:cNvPr id="32" name="Ink 31">
+                <a:extLst>
+                  <a:ext uri="{FF2B5EF4-FFF2-40B4-BE49-F238E27FC236}">
+                    <a16:creationId xmlns:a16="http://schemas.microsoft.com/office/drawing/2014/main" id="{271FF7DC-A544-EFE6-3335-986D909EF92C}"/>
+                  </a:ext>
+                </a:extLst>
+              </p:cNvPr>
+              <p:cNvPicPr/>
+              <p:nvPr/>
+            </p:nvPicPr>
+            <p:blipFill>
+              <a:blip r:embed="rId18"/>
+              <a:stretch>
+                <a:fillRect/>
+              </a:stretch>
+            </p:blipFill>
+            <p:spPr>
+              <a:xfrm>
+                <a:off x="13446103" y="4525834"/>
+                <a:ext cx="976680" cy="237960"/>
+              </a:xfrm>
+              <a:prstGeom prst="rect">
+                <a:avLst/>
+              </a:prstGeom>
+            </p:spPr>
+          </p:pic>
+        </mc:Fallback>
+      </mc:AlternateContent>
     </p:spTree>
   </p:cSld>
   <p:clrMapOvr>
@@ -2395,8 +2587,8 @@
         </p:nvSpPr>
         <p:spPr>
           <a:xfrm>
-            <a:off x="5212556" y="3981450"/>
-            <a:ext cx="7862888" cy="3038475"/>
+            <a:off x="5867400" y="3990975"/>
+            <a:ext cx="6543675" cy="3038475"/>
           </a:xfrm>
           <a:prstGeom prst="rect">
             <a:avLst/>
@@ -2422,16 +2614,14 @@
                 <a:solidFill>
                   <a:srgbClr val="FFFFFF"/>
                 </a:solidFill>
-                <a:latin typeface="F37 Caslon Display" panose="00000500000000000000" pitchFamily="50" charset="0"/>
-                <a:ea typeface="F37 Caslon Bold Display" pitchFamily="34" charset="-122"/>
-                <a:cs typeface="F37 Caslon Bold Display" pitchFamily="34" charset="-120"/>
+                <a:latin typeface="F37 Caslon Display" pitchFamily="34" charset="0"/>
+                <a:ea typeface="F37 Caslon Display" pitchFamily="34" charset="-122"/>
+                <a:cs typeface="F37 Caslon Display" pitchFamily="34" charset="-120"/>
               </a:rPr>
-              <a:t>Let’s jump into the
+              <a:t>Lets jump to the
 DEMO</a:t>
             </a:r>
-            <a:endParaRPr lang="en-US" sz="7349" dirty="0">
-              <a:latin typeface="F37 Caslon Display" panose="00000500000000000000" pitchFamily="50" charset="0"/>
-            </a:endParaRPr>
+            <a:endParaRPr lang="en-US" sz="7349" dirty="0"/>
           </a:p>
         </p:txBody>
       </p:sp>

--- a/docs/B11-Presentation.pptx
+++ b/docs/B11-Presentation.pptx
@@ -5,14 +5,17 @@
     <p:sldMasterId id="2147483648" r:id="rId1"/>
   </p:sldMasterIdLst>
   <p:notesMasterIdLst>
-    <p:notesMasterId r:id="rId7"/>
+    <p:notesMasterId r:id="rId10"/>
   </p:notesMasterIdLst>
   <p:sldIdLst>
     <p:sldId id="256" r:id="rId2"/>
     <p:sldId id="257" r:id="rId3"/>
     <p:sldId id="258" r:id="rId4"/>
-    <p:sldId id="259" r:id="rId5"/>
-    <p:sldId id="260" r:id="rId6"/>
+    <p:sldId id="261" r:id="rId5"/>
+    <p:sldId id="259" r:id="rId6"/>
+    <p:sldId id="262" r:id="rId7"/>
+    <p:sldId id="263" r:id="rId8"/>
+    <p:sldId id="260" r:id="rId9"/>
   </p:sldIdLst>
   <p:sldSz cx="18288000" cy="10287000"/>
   <p:notesSz cx="10287000" cy="18288000"/>
@@ -720,7 +723,7 @@
     </p:spTree>
     <p:extLst>
       <p:ext uri="{BB962C8B-B14F-4D97-AF65-F5344CB8AC3E}">
-        <p14:creationId xmlns:p14="http://schemas.microsoft.com/office/powerpoint/2010/main" val="1024086991"/>
+        <p14:creationId xmlns:p14="http://schemas.microsoft.com/office/powerpoint/2010/main" val="2768247940"/>
       </p:ext>
     </p:extLst>
   </p:cSld>
@@ -796,6 +799,258 @@
             <a:fld id="{F7021451-1387-4CA6-816F-3879F97B5CBC}" type="slidenum">
               <a:rPr lang="en-US"/>
               <a:t>5</a:t>
+            </a:fld>
+            <a:endParaRPr lang="en-US"/>
+          </a:p>
+        </p:txBody>
+      </p:sp>
+    </p:spTree>
+    <p:extLst>
+      <p:ext uri="{BB962C8B-B14F-4D97-AF65-F5344CB8AC3E}">
+        <p14:creationId xmlns:p14="http://schemas.microsoft.com/office/powerpoint/2010/main" val="1024086991"/>
+      </p:ext>
+    </p:extLst>
+  </p:cSld>
+  <p:clrMapOvr>
+    <a:masterClrMapping/>
+  </p:clrMapOvr>
+</p:notes>
+</file>
+
+<file path=ppt/notesSlides/notesSlide6.xml><?xml version="1.0" encoding="utf-8"?>
+<p:notes xmlns:a="http://schemas.openxmlformats.org/drawingml/2006/main" xmlns:r="http://schemas.openxmlformats.org/officeDocument/2006/relationships" xmlns:p="http://schemas.openxmlformats.org/presentationml/2006/main">
+  <p:cSld>
+    <p:spTree>
+      <p:nvGrpSpPr>
+        <p:cNvPr id="1" name=""/>
+        <p:cNvGrpSpPr/>
+        <p:nvPr/>
+      </p:nvGrpSpPr>
+      <p:grpSpPr>
+        <a:xfrm>
+          <a:off x="0" y="0"/>
+          <a:ext cx="0" cy="0"/>
+          <a:chOff x="0" y="0"/>
+          <a:chExt cx="0" cy="0"/>
+        </a:xfrm>
+      </p:grpSpPr>
+      <p:sp>
+        <p:nvSpPr>
+          <p:cNvPr id="2" name="Slide Image Placeholder 1"/>
+          <p:cNvSpPr>
+            <a:spLocks noGrp="1" noRot="1" noChangeAspect="1"/>
+          </p:cNvSpPr>
+          <p:nvPr>
+            <p:ph type="sldImg"/>
+          </p:nvPr>
+        </p:nvSpPr>
+        <p:spPr/>
+      </p:sp>
+      <p:sp>
+        <p:nvSpPr>
+          <p:cNvPr id="3" name="Notes Placeholder 2"/>
+          <p:cNvSpPr>
+            <a:spLocks noGrp="1"/>
+          </p:cNvSpPr>
+          <p:nvPr>
+            <p:ph type="body" idx="1"/>
+          </p:nvPr>
+        </p:nvSpPr>
+        <p:spPr/>
+        <p:txBody>
+          <a:bodyPr/>
+          <a:lstStyle/>
+          <a:p>
+            <a:endParaRPr lang="en-US" dirty="0"/>
+          </a:p>
+        </p:txBody>
+      </p:sp>
+      <p:sp>
+        <p:nvSpPr>
+          <p:cNvPr id="4" name="Slide Number Placeholder 3"/>
+          <p:cNvSpPr>
+            <a:spLocks noGrp="1"/>
+          </p:cNvSpPr>
+          <p:nvPr>
+            <p:ph type="sldNum" sz="quarter" idx="10"/>
+          </p:nvPr>
+        </p:nvSpPr>
+        <p:spPr/>
+        <p:txBody>
+          <a:bodyPr/>
+          <a:lstStyle/>
+          <a:p>
+            <a:fld id="{F7021451-1387-4CA6-816F-3879F97B5CBC}" type="slidenum">
+              <a:rPr lang="en-US"/>
+              <a:t>6</a:t>
+            </a:fld>
+            <a:endParaRPr lang="en-US"/>
+          </a:p>
+        </p:txBody>
+      </p:sp>
+    </p:spTree>
+    <p:extLst>
+      <p:ext uri="{BB962C8B-B14F-4D97-AF65-F5344CB8AC3E}">
+        <p14:creationId xmlns:p14="http://schemas.microsoft.com/office/powerpoint/2010/main" val="2575502851"/>
+      </p:ext>
+    </p:extLst>
+  </p:cSld>
+  <p:clrMapOvr>
+    <a:masterClrMapping/>
+  </p:clrMapOvr>
+</p:notes>
+</file>
+
+<file path=ppt/notesSlides/notesSlide7.xml><?xml version="1.0" encoding="utf-8"?>
+<p:notes xmlns:a="http://schemas.openxmlformats.org/drawingml/2006/main" xmlns:r="http://schemas.openxmlformats.org/officeDocument/2006/relationships" xmlns:p="http://schemas.openxmlformats.org/presentationml/2006/main">
+  <p:cSld>
+    <p:spTree>
+      <p:nvGrpSpPr>
+        <p:cNvPr id="1" name=""/>
+        <p:cNvGrpSpPr/>
+        <p:nvPr/>
+      </p:nvGrpSpPr>
+      <p:grpSpPr>
+        <a:xfrm>
+          <a:off x="0" y="0"/>
+          <a:ext cx="0" cy="0"/>
+          <a:chOff x="0" y="0"/>
+          <a:chExt cx="0" cy="0"/>
+        </a:xfrm>
+      </p:grpSpPr>
+      <p:sp>
+        <p:nvSpPr>
+          <p:cNvPr id="2" name="Slide Image Placeholder 1"/>
+          <p:cNvSpPr>
+            <a:spLocks noGrp="1" noRot="1" noChangeAspect="1"/>
+          </p:cNvSpPr>
+          <p:nvPr>
+            <p:ph type="sldImg"/>
+          </p:nvPr>
+        </p:nvSpPr>
+        <p:spPr/>
+      </p:sp>
+      <p:sp>
+        <p:nvSpPr>
+          <p:cNvPr id="3" name="Notes Placeholder 2"/>
+          <p:cNvSpPr>
+            <a:spLocks noGrp="1"/>
+          </p:cNvSpPr>
+          <p:nvPr>
+            <p:ph type="body" idx="1"/>
+          </p:nvPr>
+        </p:nvSpPr>
+        <p:spPr/>
+        <p:txBody>
+          <a:bodyPr/>
+          <a:lstStyle/>
+          <a:p>
+            <a:endParaRPr lang="en-US" dirty="0"/>
+          </a:p>
+        </p:txBody>
+      </p:sp>
+      <p:sp>
+        <p:nvSpPr>
+          <p:cNvPr id="4" name="Slide Number Placeholder 3"/>
+          <p:cNvSpPr>
+            <a:spLocks noGrp="1"/>
+          </p:cNvSpPr>
+          <p:nvPr>
+            <p:ph type="sldNum" sz="quarter" idx="10"/>
+          </p:nvPr>
+        </p:nvSpPr>
+        <p:spPr/>
+        <p:txBody>
+          <a:bodyPr/>
+          <a:lstStyle/>
+          <a:p>
+            <a:fld id="{F7021451-1387-4CA6-816F-3879F97B5CBC}" type="slidenum">
+              <a:rPr lang="en-US"/>
+              <a:t>7</a:t>
+            </a:fld>
+            <a:endParaRPr lang="en-US"/>
+          </a:p>
+        </p:txBody>
+      </p:sp>
+    </p:spTree>
+    <p:extLst>
+      <p:ext uri="{BB962C8B-B14F-4D97-AF65-F5344CB8AC3E}">
+        <p14:creationId xmlns:p14="http://schemas.microsoft.com/office/powerpoint/2010/main" val="1367588822"/>
+      </p:ext>
+    </p:extLst>
+  </p:cSld>
+  <p:clrMapOvr>
+    <a:masterClrMapping/>
+  </p:clrMapOvr>
+</p:notes>
+</file>
+
+<file path=ppt/notesSlides/notesSlide8.xml><?xml version="1.0" encoding="utf-8"?>
+<p:notes xmlns:a="http://schemas.openxmlformats.org/drawingml/2006/main" xmlns:r="http://schemas.openxmlformats.org/officeDocument/2006/relationships" xmlns:p="http://schemas.openxmlformats.org/presentationml/2006/main">
+  <p:cSld>
+    <p:spTree>
+      <p:nvGrpSpPr>
+        <p:cNvPr id="1" name=""/>
+        <p:cNvGrpSpPr/>
+        <p:nvPr/>
+      </p:nvGrpSpPr>
+      <p:grpSpPr>
+        <a:xfrm>
+          <a:off x="0" y="0"/>
+          <a:ext cx="0" cy="0"/>
+          <a:chOff x="0" y="0"/>
+          <a:chExt cx="0" cy="0"/>
+        </a:xfrm>
+      </p:grpSpPr>
+      <p:sp>
+        <p:nvSpPr>
+          <p:cNvPr id="2" name="Slide Image Placeholder 1"/>
+          <p:cNvSpPr>
+            <a:spLocks noGrp="1" noRot="1" noChangeAspect="1"/>
+          </p:cNvSpPr>
+          <p:nvPr>
+            <p:ph type="sldImg"/>
+          </p:nvPr>
+        </p:nvSpPr>
+        <p:spPr/>
+      </p:sp>
+      <p:sp>
+        <p:nvSpPr>
+          <p:cNvPr id="3" name="Notes Placeholder 2"/>
+          <p:cNvSpPr>
+            <a:spLocks noGrp="1"/>
+          </p:cNvSpPr>
+          <p:nvPr>
+            <p:ph type="body" idx="1"/>
+          </p:nvPr>
+        </p:nvSpPr>
+        <p:spPr/>
+        <p:txBody>
+          <a:bodyPr/>
+          <a:lstStyle/>
+          <a:p>
+            <a:endParaRPr lang="en-US" dirty="0"/>
+          </a:p>
+        </p:txBody>
+      </p:sp>
+      <p:sp>
+        <p:nvSpPr>
+          <p:cNvPr id="4" name="Slide Number Placeholder 3"/>
+          <p:cNvSpPr>
+            <a:spLocks noGrp="1"/>
+          </p:cNvSpPr>
+          <p:nvPr>
+            <p:ph type="sldNum" sz="quarter" idx="10"/>
+          </p:nvPr>
+        </p:nvSpPr>
+        <p:spPr/>
+        <p:txBody>
+          <a:bodyPr/>
+          <a:lstStyle/>
+          <a:p>
+            <a:fld id="{F7021451-1387-4CA6-816F-3879F97B5CBC}" type="slidenum">
+              <a:rPr lang="en-US"/>
+              <a:t>8</a:t>
             </a:fld>
             <a:endParaRPr lang="en-US"/>
           </a:p>
@@ -1250,6 +1505,107 @@
   <p:clrMapOvr>
     <a:masterClrMapping/>
   </p:clrMapOvr>
+  <mc:AlternateContent xmlns:mc="http://schemas.openxmlformats.org/markup-compatibility/2006">
+    <mc:Choice xmlns:p159="http://schemas.microsoft.com/office/powerpoint/2015/09/main" Requires="p159">
+      <p:transition xmlns:p14="http://schemas.microsoft.com/office/powerpoint/2010/main" spd="slow" p14:dur="2000">
+        <p159:morph option="byObject"/>
+      </p:transition>
+    </mc:Choice>
+    <mc:Fallback>
+      <p:transition spd="slow">
+        <p:fade/>
+      </p:transition>
+    </mc:Fallback>
+  </mc:AlternateContent>
+  <p:timing>
+    <p:tnLst>
+      <p:par>
+        <p:cTn id="1" dur="indefinite" restart="never" nodeType="tmRoot">
+          <p:childTnLst>
+            <p:seq concurrent="1" nextAc="seek">
+              <p:cTn id="2" dur="indefinite" nodeType="mainSeq">
+                <p:childTnLst>
+                  <p:par>
+                    <p:cTn id="3" fill="hold">
+                      <p:stCondLst>
+                        <p:cond delay="indefinite"/>
+                        <p:cond evt="onBegin" delay="0">
+                          <p:tn val="2"/>
+                        </p:cond>
+                      </p:stCondLst>
+                      <p:childTnLst>
+                        <p:par>
+                          <p:cTn id="4" fill="hold">
+                            <p:stCondLst>
+                              <p:cond delay="0"/>
+                            </p:stCondLst>
+                            <p:childTnLst>
+                              <p:par>
+                                <p:cTn id="5" presetID="10" presetClass="entr" presetSubtype="0" fill="hold" grpId="0" nodeType="afterEffect">
+                                  <p:stCondLst>
+                                    <p:cond delay="0"/>
+                                  </p:stCondLst>
+                                  <p:childTnLst>
+                                    <p:set>
+                                      <p:cBhvr>
+                                        <p:cTn id="6" dur="1" fill="hold">
+                                          <p:stCondLst>
+                                            <p:cond delay="0"/>
+                                          </p:stCondLst>
+                                        </p:cTn>
+                                        <p:tgtEl>
+                                          <p:spTgt spid="4"/>
+                                        </p:tgtEl>
+                                        <p:attrNameLst>
+                                          <p:attrName>style.visibility</p:attrName>
+                                        </p:attrNameLst>
+                                      </p:cBhvr>
+                                      <p:to>
+                                        <p:strVal val="visible"/>
+                                      </p:to>
+                                    </p:set>
+                                    <p:animEffect transition="in" filter="fade">
+                                      <p:cBhvr>
+                                        <p:cTn id="7" dur="1000"/>
+                                        <p:tgtEl>
+                                          <p:spTgt spid="4"/>
+                                        </p:tgtEl>
+                                      </p:cBhvr>
+                                    </p:animEffect>
+                                  </p:childTnLst>
+                                </p:cTn>
+                              </p:par>
+                            </p:childTnLst>
+                          </p:cTn>
+                        </p:par>
+                      </p:childTnLst>
+                    </p:cTn>
+                  </p:par>
+                </p:childTnLst>
+              </p:cTn>
+              <p:prevCondLst>
+                <p:cond evt="onPrev" delay="0">
+                  <p:tgtEl>
+                    <p:sldTgt/>
+                  </p:tgtEl>
+                </p:cond>
+              </p:prevCondLst>
+              <p:nextCondLst>
+                <p:cond evt="onNext" delay="0">
+                  <p:tgtEl>
+                    <p:sldTgt/>
+                  </p:tgtEl>
+                </p:cond>
+              </p:nextCondLst>
+            </p:seq>
+          </p:childTnLst>
+        </p:cTn>
+      </p:par>
+    </p:tnLst>
+    <p:bldLst>
+      <p:bldP spid="4" grpId="0" animBg="1"/>
+    </p:bldLst>
+  </p:timing>
 </p:sld>
 </file>
 
@@ -1377,6 +1733,107 @@
   <p:clrMapOvr>
     <a:masterClrMapping/>
   </p:clrMapOvr>
+  <mc:AlternateContent xmlns:mc="http://schemas.openxmlformats.org/markup-compatibility/2006">
+    <mc:Choice xmlns:p159="http://schemas.microsoft.com/office/powerpoint/2015/09/main" Requires="p159">
+      <p:transition xmlns:p14="http://schemas.microsoft.com/office/powerpoint/2010/main" spd="slow" p14:dur="2000">
+        <p159:morph option="byObject"/>
+      </p:transition>
+    </mc:Choice>
+    <mc:Fallback>
+      <p:transition spd="slow">
+        <p:fade/>
+      </p:transition>
+    </mc:Fallback>
+  </mc:AlternateContent>
+  <p:timing>
+    <p:tnLst>
+      <p:par>
+        <p:cTn id="1" dur="indefinite" restart="never" nodeType="tmRoot">
+          <p:childTnLst>
+            <p:seq concurrent="1" nextAc="seek">
+              <p:cTn id="2" dur="indefinite" nodeType="mainSeq">
+                <p:childTnLst>
+                  <p:par>
+                    <p:cTn id="3" fill="hold">
+                      <p:stCondLst>
+                        <p:cond delay="indefinite"/>
+                        <p:cond evt="onBegin" delay="0">
+                          <p:tn val="2"/>
+                        </p:cond>
+                      </p:stCondLst>
+                      <p:childTnLst>
+                        <p:par>
+                          <p:cTn id="4" fill="hold">
+                            <p:stCondLst>
+                              <p:cond delay="0"/>
+                            </p:stCondLst>
+                            <p:childTnLst>
+                              <p:par>
+                                <p:cTn id="5" presetID="10" presetClass="entr" presetSubtype="0" fill="hold" grpId="0" nodeType="afterEffect">
+                                  <p:stCondLst>
+                                    <p:cond delay="0"/>
+                                  </p:stCondLst>
+                                  <p:childTnLst>
+                                    <p:set>
+                                      <p:cBhvr>
+                                        <p:cTn id="6" dur="1" fill="hold">
+                                          <p:stCondLst>
+                                            <p:cond delay="0"/>
+                                          </p:stCondLst>
+                                        </p:cTn>
+                                        <p:tgtEl>
+                                          <p:spTgt spid="5"/>
+                                        </p:tgtEl>
+                                        <p:attrNameLst>
+                                          <p:attrName>style.visibility</p:attrName>
+                                        </p:attrNameLst>
+                                      </p:cBhvr>
+                                      <p:to>
+                                        <p:strVal val="visible"/>
+                                      </p:to>
+                                    </p:set>
+                                    <p:animEffect transition="in" filter="fade">
+                                      <p:cBhvr>
+                                        <p:cTn id="7" dur="1000"/>
+                                        <p:tgtEl>
+                                          <p:spTgt spid="5"/>
+                                        </p:tgtEl>
+                                      </p:cBhvr>
+                                    </p:animEffect>
+                                  </p:childTnLst>
+                                </p:cTn>
+                              </p:par>
+                            </p:childTnLst>
+                          </p:cTn>
+                        </p:par>
+                      </p:childTnLst>
+                    </p:cTn>
+                  </p:par>
+                </p:childTnLst>
+              </p:cTn>
+              <p:prevCondLst>
+                <p:cond evt="onPrev" delay="0">
+                  <p:tgtEl>
+                    <p:sldTgt/>
+                  </p:tgtEl>
+                </p:cond>
+              </p:prevCondLst>
+              <p:nextCondLst>
+                <p:cond evt="onNext" delay="0">
+                  <p:tgtEl>
+                    <p:sldTgt/>
+                  </p:tgtEl>
+                </p:cond>
+              </p:nextCondLst>
+            </p:seq>
+          </p:childTnLst>
+        </p:cTn>
+      </p:par>
+    </p:tnLst>
+    <p:bldLst>
+      <p:bldP spid="5" grpId="0" animBg="1"/>
+    </p:bldLst>
+  </p:timing>
 </p:sld>
 </file>
 
@@ -1457,6 +1914,286 @@
           </a:prstGeom>
         </p:spPr>
       </p:pic>
+      <p:sp>
+        <p:nvSpPr>
+          <p:cNvPr id="13" name="Rectangle 12">
+            <a:extLst>
+              <a:ext uri="{FF2B5EF4-FFF2-40B4-BE49-F238E27FC236}">
+                <a16:creationId xmlns:a16="http://schemas.microsoft.com/office/drawing/2014/main" id="{2D228037-8931-FA75-BC02-0EF77FDA85AE}"/>
+              </a:ext>
+            </a:extLst>
+          </p:cNvPr>
+          <p:cNvSpPr/>
+          <p:nvPr/>
+        </p:nvSpPr>
+        <p:spPr>
+          <a:xfrm>
+            <a:off x="5029200" y="5306786"/>
+            <a:ext cx="5535386" cy="2922814"/>
+          </a:xfrm>
+          <a:prstGeom prst="rect">
+            <a:avLst/>
+          </a:prstGeom>
+          <a:solidFill>
+            <a:srgbClr val="000000"/>
+          </a:solidFill>
+          <a:ln>
+            <a:noFill/>
+          </a:ln>
+        </p:spPr>
+        <p:style>
+          <a:lnRef idx="2">
+            <a:schemeClr val="accent1">
+              <a:shade val="50000"/>
+            </a:schemeClr>
+          </a:lnRef>
+          <a:fillRef idx="1">
+            <a:schemeClr val="accent1"/>
+          </a:fillRef>
+          <a:effectRef idx="0">
+            <a:schemeClr val="accent1"/>
+          </a:effectRef>
+          <a:fontRef idx="minor">
+            <a:schemeClr val="lt1"/>
+          </a:fontRef>
+        </p:style>
+        <p:txBody>
+          <a:bodyPr rtlCol="0" anchor="ctr"/>
+          <a:lstStyle/>
+          <a:p>
+            <a:pPr algn="ctr"/>
+            <a:endParaRPr lang="en-BG"/>
+          </a:p>
+        </p:txBody>
+      </p:sp>
+      <p:sp>
+        <p:nvSpPr>
+          <p:cNvPr id="12" name="Text 0"/>
+          <p:cNvSpPr/>
+          <p:nvPr/>
+        </p:nvSpPr>
+        <p:spPr>
+          <a:xfrm>
+            <a:off x="4758418" y="4597852"/>
+            <a:ext cx="8771165" cy="1091296"/>
+          </a:xfrm>
+          <a:prstGeom prst="rect">
+            <a:avLst/>
+          </a:prstGeom>
+          <a:noFill/>
+          <a:ln/>
+        </p:spPr>
+        <p:txBody>
+          <a:bodyPr wrap="square" lIns="0" tIns="0" rIns="0" bIns="0" rtlCol="0" anchor="t"/>
+          <a:lstStyle/>
+          <a:p>
+            <a:pPr marL="0" indent="0" algn="ctr">
+              <a:lnSpc>
+                <a:spcPts val="8625"/>
+              </a:lnSpc>
+              <a:buNone/>
+            </a:pPr>
+            <a:r>
+              <a:rPr lang="en-US" sz="13800" b="1" dirty="0">
+                <a:solidFill>
+                  <a:srgbClr val="FFFFFF"/>
+                </a:solidFill>
+                <a:latin typeface="F37 Caslon Display" pitchFamily="34" charset="0"/>
+                <a:ea typeface="F37 Caslon Display" pitchFamily="34" charset="-122"/>
+                <a:cs typeface="F37 Caslon Display" pitchFamily="34" charset="-120"/>
+              </a:rPr>
+              <a:t>Tech Stack</a:t>
+            </a:r>
+            <a:endParaRPr lang="en-US" sz="13800" b="1" dirty="0"/>
+          </a:p>
+        </p:txBody>
+      </p:sp>
+    </p:spTree>
+  </p:cSld>
+  <p:clrMapOvr>
+    <a:masterClrMapping/>
+  </p:clrMapOvr>
+  <mc:AlternateContent xmlns:mc="http://schemas.openxmlformats.org/markup-compatibility/2006">
+    <mc:Choice xmlns:p159="http://schemas.microsoft.com/office/powerpoint/2015/09/main" Requires="p159">
+      <p:transition xmlns:p14="http://schemas.microsoft.com/office/powerpoint/2010/main" spd="slow" p14:dur="2000">
+        <p159:morph option="byObject"/>
+      </p:transition>
+    </mc:Choice>
+    <mc:Fallback>
+      <p:transition spd="slow">
+        <p:fade/>
+      </p:transition>
+    </mc:Fallback>
+  </mc:AlternateContent>
+  <p:timing>
+    <p:tnLst>
+      <p:par>
+        <p:cTn id="1" dur="indefinite" restart="never" nodeType="tmRoot">
+          <p:childTnLst>
+            <p:seq concurrent="1" nextAc="seek">
+              <p:cTn id="2" dur="indefinite" nodeType="mainSeq">
+                <p:childTnLst>
+                  <p:par>
+                    <p:cTn id="3" fill="hold">
+                      <p:stCondLst>
+                        <p:cond delay="indefinite"/>
+                        <p:cond evt="onBegin" delay="0">
+                          <p:tn val="2"/>
+                        </p:cond>
+                      </p:stCondLst>
+                      <p:childTnLst>
+                        <p:par>
+                          <p:cTn id="4" fill="hold">
+                            <p:stCondLst>
+                              <p:cond delay="0"/>
+                            </p:stCondLst>
+                            <p:childTnLst>
+                              <p:par>
+                                <p:cTn id="5" presetID="10" presetClass="entr" presetSubtype="0" fill="hold" grpId="0" nodeType="afterEffect">
+                                  <p:stCondLst>
+                                    <p:cond delay="0"/>
+                                  </p:stCondLst>
+                                  <p:childTnLst>
+                                    <p:set>
+                                      <p:cBhvr>
+                                        <p:cTn id="6" dur="1" fill="hold">
+                                          <p:stCondLst>
+                                            <p:cond delay="0"/>
+                                          </p:stCondLst>
+                                        </p:cTn>
+                                        <p:tgtEl>
+                                          <p:spTgt spid="12"/>
+                                        </p:tgtEl>
+                                        <p:attrNameLst>
+                                          <p:attrName>style.visibility</p:attrName>
+                                        </p:attrNameLst>
+                                      </p:cBhvr>
+                                      <p:to>
+                                        <p:strVal val="visible"/>
+                                      </p:to>
+                                    </p:set>
+                                    <p:animEffect transition="in" filter="fade">
+                                      <p:cBhvr>
+                                        <p:cTn id="7" dur="1000"/>
+                                        <p:tgtEl>
+                                          <p:spTgt spid="12"/>
+                                        </p:tgtEl>
+                                      </p:cBhvr>
+                                    </p:animEffect>
+                                  </p:childTnLst>
+                                </p:cTn>
+                              </p:par>
+                            </p:childTnLst>
+                          </p:cTn>
+                        </p:par>
+                      </p:childTnLst>
+                    </p:cTn>
+                  </p:par>
+                </p:childTnLst>
+              </p:cTn>
+              <p:prevCondLst>
+                <p:cond evt="onPrev" delay="0">
+                  <p:tgtEl>
+                    <p:sldTgt/>
+                  </p:tgtEl>
+                </p:cond>
+              </p:prevCondLst>
+              <p:nextCondLst>
+                <p:cond evt="onNext" delay="0">
+                  <p:tgtEl>
+                    <p:sldTgt/>
+                  </p:tgtEl>
+                </p:cond>
+              </p:nextCondLst>
+            </p:seq>
+          </p:childTnLst>
+        </p:cTn>
+      </p:par>
+    </p:tnLst>
+    <p:bldLst>
+      <p:bldP spid="12" grpId="0" animBg="1"/>
+    </p:bldLst>
+  </p:timing>
+</p:sld>
+</file>
+
+<file path=ppt/slides/slide4.xml><?xml version="1.0" encoding="utf-8"?>
+<p:sld xmlns:a="http://schemas.openxmlformats.org/drawingml/2006/main" xmlns:r="http://schemas.openxmlformats.org/officeDocument/2006/relationships" xmlns:p="http://schemas.openxmlformats.org/presentationml/2006/main">
+  <p:cSld>
+    <p:bg>
+      <p:bgPr>
+        <a:solidFill>
+          <a:srgbClr val="FFFFFF"/>
+        </a:solidFill>
+        <a:effectLst/>
+      </p:bgPr>
+    </p:bg>
+    <p:spTree>
+      <p:nvGrpSpPr>
+        <p:cNvPr id="1" name=""/>
+        <p:cNvGrpSpPr/>
+        <p:nvPr/>
+      </p:nvGrpSpPr>
+      <p:grpSpPr>
+        <a:xfrm>
+          <a:off x="0" y="0"/>
+          <a:ext cx="0" cy="0"/>
+          <a:chOff x="0" y="0"/>
+          <a:chExt cx="0" cy="0"/>
+        </a:xfrm>
+      </p:grpSpPr>
+      <p:pic>
+        <p:nvPicPr>
+          <p:cNvPr id="2" name="Image 0" descr="preencoded.png"/>
+          <p:cNvPicPr>
+            <a:picLocks noChangeAspect="1"/>
+          </p:cNvPicPr>
+          <p:nvPr/>
+        </p:nvPicPr>
+        <p:blipFill>
+          <a:blip r:embed="rId3">
+            <a:extLst>
+              <a:ext uri="{96DAC541-7B7A-43D3-8B79-37D633B846F1}">
+                <asvg:svgBlip xmlns:asvg="http://schemas.microsoft.com/office/drawing/2016/SVG/main" r:embed="rId4"/>
+              </a:ext>
+            </a:extLst>
+          </a:blip>
+          <a:srcRect/>
+          <a:stretch/>
+        </p:blipFill>
+        <p:spPr>
+          <a:xfrm>
+            <a:off x="0" y="0"/>
+            <a:ext cx="18288000" cy="10287000"/>
+          </a:xfrm>
+          <a:prstGeom prst="rect">
+            <a:avLst/>
+          </a:prstGeom>
+        </p:spPr>
+      </p:pic>
+      <p:pic>
+        <p:nvPicPr>
+          <p:cNvPr id="3" name="Image 1" descr="preencoded.png"/>
+          <p:cNvPicPr>
+            <a:picLocks noChangeAspect="1"/>
+          </p:cNvPicPr>
+          <p:nvPr/>
+        </p:nvPicPr>
+        <p:blipFill>
+          <a:blip r:embed="rId5"/>
+          <a:srcRect/>
+          <a:stretch/>
+        </p:blipFill>
+        <p:spPr>
+          <a:xfrm>
+            <a:off x="0" y="0"/>
+            <a:ext cx="18288000" cy="10287000"/>
+          </a:xfrm>
+          <a:prstGeom prst="rect">
+            <a:avLst/>
+          </a:prstGeom>
+        </p:spPr>
+      </p:pic>
       <p:pic>
         <p:nvPicPr>
           <p:cNvPr id="4" name="Image 2" descr="preencoded.png"/>
@@ -1684,14 +2421,31 @@
         </p:txBody>
       </p:sp>
     </p:spTree>
+    <p:extLst>
+      <p:ext uri="{BB962C8B-B14F-4D97-AF65-F5344CB8AC3E}">
+        <p14:creationId xmlns:p14="http://schemas.microsoft.com/office/powerpoint/2010/main" val="2622725487"/>
+      </p:ext>
+    </p:extLst>
   </p:cSld>
   <p:clrMapOvr>
     <a:masterClrMapping/>
   </p:clrMapOvr>
+  <mc:AlternateContent xmlns:mc="http://schemas.openxmlformats.org/markup-compatibility/2006">
+    <mc:Choice xmlns:p159="http://schemas.microsoft.com/office/powerpoint/2015/09/main" Requires="p159">
+      <p:transition xmlns:p14="http://schemas.microsoft.com/office/powerpoint/2010/main" spd="slow" p14:dur="2000">
+        <p159:morph option="byObject"/>
+      </p:transition>
+    </mc:Choice>
+    <mc:Fallback>
+      <p:transition spd="slow">
+        <p:fade/>
+      </p:transition>
+    </mc:Fallback>
+  </mc:AlternateContent>
 </p:sld>
 </file>
 
-<file path=ppt/slides/slide4.xml><?xml version="1.0" encoding="utf-8"?>
+<file path=ppt/slides/slide5.xml><?xml version="1.0" encoding="utf-8"?>
 <p:sld xmlns:a="http://schemas.openxmlformats.org/drawingml/2006/main" xmlns:r="http://schemas.openxmlformats.org/officeDocument/2006/relationships" xmlns:p="http://schemas.openxmlformats.org/presentationml/2006/main">
   <p:cSld name="Slide 4">
     <p:bg>
@@ -1768,6 +2522,289 @@
           </a:prstGeom>
         </p:spPr>
       </p:pic>
+      <p:sp>
+        <p:nvSpPr>
+          <p:cNvPr id="9" name="Text 0"/>
+          <p:cNvSpPr/>
+          <p:nvPr/>
+        </p:nvSpPr>
+        <p:spPr>
+          <a:xfrm>
+            <a:off x="3705225" y="4577715"/>
+            <a:ext cx="10877550" cy="1131570"/>
+          </a:xfrm>
+          <a:prstGeom prst="rect">
+            <a:avLst/>
+          </a:prstGeom>
+          <a:noFill/>
+          <a:ln/>
+        </p:spPr>
+        <p:txBody>
+          <a:bodyPr wrap="square" lIns="0" tIns="0" rIns="0" bIns="0" rtlCol="0" anchor="t"/>
+          <a:lstStyle/>
+          <a:p>
+            <a:pPr marL="0" indent="0" algn="ctr">
+              <a:lnSpc>
+                <a:spcPts val="8625"/>
+              </a:lnSpc>
+              <a:buNone/>
+            </a:pPr>
+            <a:r>
+              <a:rPr lang="en-US" sz="13800" dirty="0">
+                <a:solidFill>
+                  <a:srgbClr val="FFFFFF"/>
+                </a:solidFill>
+                <a:latin typeface="F37 Caslon Display" pitchFamily="34" charset="0"/>
+                <a:ea typeface="F37 Caslon Display" pitchFamily="34" charset="-122"/>
+                <a:cs typeface="F37 Caslon Display" pitchFamily="34" charset="-120"/>
+              </a:rPr>
+              <a:t>Our Solution</a:t>
+            </a:r>
+            <a:endParaRPr lang="en-US" sz="13800" dirty="0"/>
+          </a:p>
+        </p:txBody>
+      </p:sp>
+    </p:spTree>
+  </p:cSld>
+  <p:clrMapOvr>
+    <a:masterClrMapping/>
+  </p:clrMapOvr>
+  <mc:AlternateContent xmlns:mc="http://schemas.openxmlformats.org/markup-compatibility/2006">
+    <mc:Choice xmlns:p159="http://schemas.microsoft.com/office/powerpoint/2015/09/main" Requires="p159">
+      <p:transition xmlns:p14="http://schemas.microsoft.com/office/powerpoint/2010/main" spd="slow" p14:dur="2000">
+        <p159:morph option="byObject"/>
+      </p:transition>
+    </mc:Choice>
+    <mc:Fallback>
+      <p:transition spd="slow">
+        <p:fade/>
+      </p:transition>
+    </mc:Fallback>
+  </mc:AlternateContent>
+</p:sld>
+</file>
+
+<file path=ppt/slides/slide6.xml><?xml version="1.0" encoding="utf-8"?>
+<p:sld xmlns:a="http://schemas.openxmlformats.org/drawingml/2006/main" xmlns:r="http://schemas.openxmlformats.org/officeDocument/2006/relationships" xmlns:p="http://schemas.openxmlformats.org/presentationml/2006/main">
+  <p:cSld>
+    <p:bg>
+      <p:bgPr>
+        <a:solidFill>
+          <a:srgbClr val="FFFFFF"/>
+        </a:solidFill>
+        <a:effectLst/>
+      </p:bgPr>
+    </p:bg>
+    <p:spTree>
+      <p:nvGrpSpPr>
+        <p:cNvPr id="1" name=""/>
+        <p:cNvGrpSpPr/>
+        <p:nvPr/>
+      </p:nvGrpSpPr>
+      <p:grpSpPr>
+        <a:xfrm>
+          <a:off x="0" y="0"/>
+          <a:ext cx="0" cy="0"/>
+          <a:chOff x="0" y="0"/>
+          <a:chExt cx="0" cy="0"/>
+        </a:xfrm>
+      </p:grpSpPr>
+      <p:pic>
+        <p:nvPicPr>
+          <p:cNvPr id="2" name="Image 0" descr="preencoded.png"/>
+          <p:cNvPicPr>
+            <a:picLocks noChangeAspect="1"/>
+          </p:cNvPicPr>
+          <p:nvPr/>
+        </p:nvPicPr>
+        <p:blipFill>
+          <a:blip r:embed="rId3">
+            <a:extLst>
+              <a:ext uri="{96DAC541-7B7A-43D3-8B79-37D633B846F1}">
+                <asvg:svgBlip xmlns:asvg="http://schemas.microsoft.com/office/drawing/2016/SVG/main" r:embed="rId4"/>
+              </a:ext>
+            </a:extLst>
+          </a:blip>
+          <a:srcRect/>
+          <a:stretch/>
+        </p:blipFill>
+        <p:spPr>
+          <a:xfrm>
+            <a:off x="0" y="0"/>
+            <a:ext cx="18288000" cy="10287000"/>
+          </a:xfrm>
+          <a:prstGeom prst="rect">
+            <a:avLst/>
+          </a:prstGeom>
+        </p:spPr>
+      </p:pic>
+      <p:pic>
+        <p:nvPicPr>
+          <p:cNvPr id="3" name="Image 1" descr="preencoded.png"/>
+          <p:cNvPicPr>
+            <a:picLocks noChangeAspect="1"/>
+          </p:cNvPicPr>
+          <p:nvPr/>
+        </p:nvPicPr>
+        <p:blipFill>
+          <a:blip r:embed="rId5"/>
+          <a:srcRect/>
+          <a:stretch/>
+        </p:blipFill>
+        <p:spPr>
+          <a:xfrm>
+            <a:off x="0" y="0"/>
+            <a:ext cx="18288000" cy="10287000"/>
+          </a:xfrm>
+          <a:prstGeom prst="rect">
+            <a:avLst/>
+          </a:prstGeom>
+        </p:spPr>
+      </p:pic>
+      <p:sp>
+        <p:nvSpPr>
+          <p:cNvPr id="9" name="Text 0"/>
+          <p:cNvSpPr/>
+          <p:nvPr/>
+        </p:nvSpPr>
+        <p:spPr>
+          <a:xfrm>
+            <a:off x="1009650" y="819150"/>
+            <a:ext cx="5114925" cy="1123950"/>
+          </a:xfrm>
+          <a:prstGeom prst="rect">
+            <a:avLst/>
+          </a:prstGeom>
+          <a:noFill/>
+          <a:ln/>
+        </p:spPr>
+        <p:txBody>
+          <a:bodyPr wrap="square" lIns="0" tIns="0" rIns="0" bIns="0" rtlCol="0" anchor="t"/>
+          <a:lstStyle/>
+          <a:p>
+            <a:pPr marL="0" indent="0" algn="l">
+              <a:lnSpc>
+                <a:spcPts val="8625"/>
+              </a:lnSpc>
+              <a:buNone/>
+            </a:pPr>
+            <a:r>
+              <a:rPr lang="en-US" sz="7349" dirty="0">
+                <a:solidFill>
+                  <a:srgbClr val="FFFFFF"/>
+                </a:solidFill>
+                <a:latin typeface="F37 Caslon Display" pitchFamily="34" charset="0"/>
+                <a:ea typeface="F37 Caslon Display" pitchFamily="34" charset="-122"/>
+                <a:cs typeface="F37 Caslon Display" pitchFamily="34" charset="-120"/>
+              </a:rPr>
+              <a:t>Our Solution</a:t>
+            </a:r>
+            <a:endParaRPr lang="en-US" sz="7349" dirty="0"/>
+          </a:p>
+        </p:txBody>
+      </p:sp>
+    </p:spTree>
+    <p:extLst>
+      <p:ext uri="{BB962C8B-B14F-4D97-AF65-F5344CB8AC3E}">
+        <p14:creationId xmlns:p14="http://schemas.microsoft.com/office/powerpoint/2010/main" val="419656844"/>
+      </p:ext>
+    </p:extLst>
+  </p:cSld>
+  <p:clrMapOvr>
+    <a:masterClrMapping/>
+  </p:clrMapOvr>
+  <mc:AlternateContent xmlns:mc="http://schemas.openxmlformats.org/markup-compatibility/2006">
+    <mc:Choice xmlns:p159="http://schemas.microsoft.com/office/powerpoint/2015/09/main" Requires="p159">
+      <p:transition xmlns:p14="http://schemas.microsoft.com/office/powerpoint/2010/main" spd="slow" p14:dur="2000">
+        <p159:morph option="byObject"/>
+      </p:transition>
+    </mc:Choice>
+    <mc:Fallback>
+      <p:transition spd="slow">
+        <p:fade/>
+      </p:transition>
+    </mc:Fallback>
+  </mc:AlternateContent>
+</p:sld>
+</file>
+
+<file path=ppt/slides/slide7.xml><?xml version="1.0" encoding="utf-8"?>
+<p:sld xmlns:a="http://schemas.openxmlformats.org/drawingml/2006/main" xmlns:r="http://schemas.openxmlformats.org/officeDocument/2006/relationships" xmlns:p="http://schemas.openxmlformats.org/presentationml/2006/main">
+  <p:cSld>
+    <p:bg>
+      <p:bgPr>
+        <a:solidFill>
+          <a:srgbClr val="FFFFFF"/>
+        </a:solidFill>
+        <a:effectLst/>
+      </p:bgPr>
+    </p:bg>
+    <p:spTree>
+      <p:nvGrpSpPr>
+        <p:cNvPr id="1" name=""/>
+        <p:cNvGrpSpPr/>
+        <p:nvPr/>
+      </p:nvGrpSpPr>
+      <p:grpSpPr>
+        <a:xfrm>
+          <a:off x="0" y="0"/>
+          <a:ext cx="0" cy="0"/>
+          <a:chOff x="0" y="0"/>
+          <a:chExt cx="0" cy="0"/>
+        </a:xfrm>
+      </p:grpSpPr>
+      <p:pic>
+        <p:nvPicPr>
+          <p:cNvPr id="2" name="Image 0" descr="preencoded.png"/>
+          <p:cNvPicPr>
+            <a:picLocks noChangeAspect="1"/>
+          </p:cNvPicPr>
+          <p:nvPr/>
+        </p:nvPicPr>
+        <p:blipFill>
+          <a:blip r:embed="rId3">
+            <a:extLst>
+              <a:ext uri="{96DAC541-7B7A-43D3-8B79-37D633B846F1}">
+                <asvg:svgBlip xmlns:asvg="http://schemas.microsoft.com/office/drawing/2016/SVG/main" r:embed="rId4"/>
+              </a:ext>
+            </a:extLst>
+          </a:blip>
+          <a:srcRect/>
+          <a:stretch/>
+        </p:blipFill>
+        <p:spPr>
+          <a:xfrm>
+            <a:off x="0" y="0"/>
+            <a:ext cx="18288000" cy="10287000"/>
+          </a:xfrm>
+          <a:prstGeom prst="rect">
+            <a:avLst/>
+          </a:prstGeom>
+        </p:spPr>
+      </p:pic>
+      <p:pic>
+        <p:nvPicPr>
+          <p:cNvPr id="3" name="Image 1" descr="preencoded.png"/>
+          <p:cNvPicPr>
+            <a:picLocks noChangeAspect="1"/>
+          </p:cNvPicPr>
+          <p:nvPr/>
+        </p:nvPicPr>
+        <p:blipFill>
+          <a:blip r:embed="rId5"/>
+          <a:srcRect/>
+          <a:stretch/>
+        </p:blipFill>
+        <p:spPr>
+          <a:xfrm>
+            <a:off x="0" y="0"/>
+            <a:ext cx="18288000" cy="10287000"/>
+          </a:xfrm>
+          <a:prstGeom prst="rect">
+            <a:avLst/>
+          </a:prstGeom>
+        </p:spPr>
+      </p:pic>
       <p:pic>
         <p:nvPicPr>
           <p:cNvPr id="4" name="Image 2" descr="preencoded.png"/>
@@ -1964,7 +3001,7 @@
         <p:spPr>
           <a:xfrm>
             <a:off x="1895475" y="4114800"/>
-            <a:ext cx="4229100" cy="2657475"/>
+            <a:ext cx="5182202" cy="2657475"/>
           </a:xfrm>
           <a:prstGeom prst="rect">
             <a:avLst/>
@@ -1991,7 +3028,7 @@
                 <a:ea typeface="Lato Regular" pitchFamily="34" charset="-122"/>
                 <a:cs typeface="Lato Regular" pitchFamily="34" charset="-120"/>
               </a:rPr>
-              <a:t>Online
+              <a:t>Online Modular
 Recycled
 Marketplace</a:t>
             </a:r>
@@ -2280,7 +3317,7 @@
             </p:blipFill>
             <p:spPr>
               <a:xfrm>
-                <a:off x="9326794" y="4869240"/>
+                <a:off x="9326794" y="4868880"/>
                 <a:ext cx="1646280" cy="790920"/>
               </a:xfrm>
               <a:prstGeom prst="rect">
@@ -2331,8 +3368,8 @@
             </p:blipFill>
             <p:spPr>
               <a:xfrm>
-                <a:off x="11036074" y="3523200"/>
-                <a:ext cx="685440" cy="1316160"/>
+                <a:off x="11036079" y="3523200"/>
+                <a:ext cx="685430" cy="1316160"/>
               </a:xfrm>
               <a:prstGeom prst="rect">
                 <a:avLst/>
@@ -2433,8 +3470,8 @@
             </p:blipFill>
             <p:spPr>
               <a:xfrm>
-                <a:off x="13365103" y="6244114"/>
-                <a:ext cx="1584000" cy="1086480"/>
+                <a:off x="13365105" y="6244114"/>
+                <a:ext cx="1583996" cy="1086480"/>
               </a:xfrm>
               <a:prstGeom prst="rect">
                 <a:avLst/>
@@ -2484,7 +3521,7 @@
             </p:blipFill>
             <p:spPr>
               <a:xfrm>
-                <a:off x="13446103" y="4525834"/>
+                <a:off x="13446103" y="4525474"/>
                 <a:ext cx="976680" cy="237960"/>
               </a:xfrm>
               <a:prstGeom prst="rect">
@@ -2495,14 +3532,31 @@
         </mc:Fallback>
       </mc:AlternateContent>
     </p:spTree>
+    <p:extLst>
+      <p:ext uri="{BB962C8B-B14F-4D97-AF65-F5344CB8AC3E}">
+        <p14:creationId xmlns:p14="http://schemas.microsoft.com/office/powerpoint/2010/main" val="927486630"/>
+      </p:ext>
+    </p:extLst>
   </p:cSld>
   <p:clrMapOvr>
     <a:masterClrMapping/>
   </p:clrMapOvr>
+  <mc:AlternateContent xmlns:mc="http://schemas.openxmlformats.org/markup-compatibility/2006">
+    <mc:Choice xmlns:p159="http://schemas.microsoft.com/office/powerpoint/2015/09/main" Requires="p159">
+      <p:transition xmlns:p14="http://schemas.microsoft.com/office/powerpoint/2010/main" spd="slow" p14:dur="2000">
+        <p159:morph option="byObject"/>
+      </p:transition>
+    </mc:Choice>
+    <mc:Fallback>
+      <p:transition spd="slow">
+        <p:fade/>
+      </p:transition>
+    </mc:Fallback>
+  </mc:AlternateContent>
 </p:sld>
 </file>
 
-<file path=ppt/slides/slide5.xml><?xml version="1.0" encoding="utf-8"?>
+<file path=ppt/slides/slide8.xml><?xml version="1.0" encoding="utf-8"?>
 <p:sld xmlns:a="http://schemas.openxmlformats.org/drawingml/2006/main" xmlns:r="http://schemas.openxmlformats.org/officeDocument/2006/relationships" xmlns:p="http://schemas.openxmlformats.org/presentationml/2006/main">
   <p:cSld name="Slide 5">
     <p:bg>
@@ -2630,6 +3684,112 @@
   <p:clrMapOvr>
     <a:masterClrMapping/>
   </p:clrMapOvr>
+  <mc:AlternateContent xmlns:mc="http://schemas.openxmlformats.org/markup-compatibility/2006">
+    <mc:Choice xmlns:p159="http://schemas.microsoft.com/office/powerpoint/2015/09/main" Requires="p159">
+      <p:transition xmlns:p14="http://schemas.microsoft.com/office/powerpoint/2010/main" spd="slow" p14:dur="2000">
+        <p159:morph option="byObject"/>
+      </p:transition>
+    </mc:Choice>
+    <mc:Fallback>
+      <p:transition spd="slow">
+        <p:fade/>
+      </p:transition>
+    </mc:Fallback>
+  </mc:AlternateContent>
+  <p:timing>
+    <p:tnLst>
+      <p:par>
+        <p:cTn id="1" dur="indefinite" restart="never" nodeType="tmRoot">
+          <p:childTnLst>
+            <p:seq concurrent="1" nextAc="seek">
+              <p:cTn id="2" dur="indefinite" nodeType="mainSeq">
+                <p:childTnLst>
+                  <p:par>
+                    <p:cTn id="3" fill="hold">
+                      <p:stCondLst>
+                        <p:cond delay="indefinite"/>
+                        <p:cond evt="onBegin" delay="0">
+                          <p:tn val="2"/>
+                        </p:cond>
+                      </p:stCondLst>
+                      <p:childTnLst>
+                        <p:par>
+                          <p:cTn id="4" fill="hold">
+                            <p:stCondLst>
+                              <p:cond delay="0"/>
+                            </p:stCondLst>
+                            <p:childTnLst>
+                              <p:par>
+                                <p:cTn id="5" presetID="10" presetClass="entr" presetSubtype="0" fill="hold" nodeType="afterEffect">
+                                  <p:stCondLst>
+                                    <p:cond delay="0"/>
+                                  </p:stCondLst>
+                                  <p:childTnLst>
+                                    <p:set>
+                                      <p:cBhvr>
+                                        <p:cTn id="6" dur="1" fill="hold">
+                                          <p:stCondLst>
+                                            <p:cond delay="0"/>
+                                          </p:stCondLst>
+                                        </p:cTn>
+                                        <p:tgtEl>
+                                          <p:spTgt spid="4">
+                                            <p:txEl>
+                                              <p:pRg st="0" end="0"/>
+                                            </p:txEl>
+                                          </p:spTgt>
+                                        </p:tgtEl>
+                                        <p:attrNameLst>
+                                          <p:attrName>style.visibility</p:attrName>
+                                        </p:attrNameLst>
+                                      </p:cBhvr>
+                                      <p:to>
+                                        <p:strVal val="visible"/>
+                                      </p:to>
+                                    </p:set>
+                                    <p:animEffect transition="in" filter="fade">
+                                      <p:cBhvr>
+                                        <p:cTn id="7" dur="1000"/>
+                                        <p:tgtEl>
+                                          <p:spTgt spid="4">
+                                            <p:txEl>
+                                              <p:pRg st="0" end="0"/>
+                                            </p:txEl>
+                                          </p:spTgt>
+                                        </p:tgtEl>
+                                      </p:cBhvr>
+                                    </p:animEffect>
+                                  </p:childTnLst>
+                                </p:cTn>
+                              </p:par>
+                            </p:childTnLst>
+                          </p:cTn>
+                        </p:par>
+                      </p:childTnLst>
+                    </p:cTn>
+                  </p:par>
+                </p:childTnLst>
+              </p:cTn>
+              <p:prevCondLst>
+                <p:cond evt="onPrev" delay="0">
+                  <p:tgtEl>
+                    <p:sldTgt/>
+                  </p:tgtEl>
+                </p:cond>
+              </p:prevCondLst>
+              <p:nextCondLst>
+                <p:cond evt="onNext" delay="0">
+                  <p:tgtEl>
+                    <p:sldTgt/>
+                  </p:tgtEl>
+                </p:cond>
+              </p:nextCondLst>
+            </p:seq>
+          </p:childTnLst>
+        </p:cTn>
+      </p:par>
+    </p:tnLst>
+  </p:timing>
 </p:sld>
 </file>
 
